--- a/python3/Python培训.pptx
+++ b/python3/Python培训.pptx
@@ -5,7 +5,7 @@
     <p:sldMasterId id="2147483732" r:id="rId1"/>
   </p:sldMasterIdLst>
   <p:notesMasterIdLst>
-    <p:notesMasterId r:id="rId14"/>
+    <p:notesMasterId r:id="rId26"/>
   </p:notesMasterIdLst>
   <p:sldIdLst>
     <p:sldId id="256" r:id="rId2"/>
@@ -20,6 +20,18 @@
     <p:sldId id="265" r:id="rId11"/>
     <p:sldId id="266" r:id="rId12"/>
     <p:sldId id="267" r:id="rId13"/>
+    <p:sldId id="268" r:id="rId14"/>
+    <p:sldId id="269" r:id="rId15"/>
+    <p:sldId id="270" r:id="rId16"/>
+    <p:sldId id="271" r:id="rId17"/>
+    <p:sldId id="272" r:id="rId18"/>
+    <p:sldId id="273" r:id="rId19"/>
+    <p:sldId id="274" r:id="rId20"/>
+    <p:sldId id="275" r:id="rId21"/>
+    <p:sldId id="276" r:id="rId22"/>
+    <p:sldId id="277" r:id="rId23"/>
+    <p:sldId id="278" r:id="rId24"/>
+    <p:sldId id="279" r:id="rId25"/>
   </p:sldIdLst>
   <p:sldSz cx="9144000" cy="6858000" type="screen4x3"/>
   <p:notesSz cx="6858000" cy="9144000"/>
@@ -203,7 +215,7 @@
           <a:p>
             <a:fld id="{C9F81556-FB81-4BC2-A5D4-0FF01BBD0E1F}" type="datetimeFigureOut">
               <a:rPr lang="zh-CN" altLang="en-US" smtClean="0"/>
-              <a:t>2017/10/8</a:t>
+              <a:t>2017/10/10</a:t>
             </a:fld>
             <a:endParaRPr lang="zh-CN" altLang="en-US"/>
           </a:p>
@@ -2367,7 +2379,7 @@
           <a:p>
             <a:fld id="{530820CF-B880-4189-942D-D702A7CBA730}" type="datetimeFigureOut">
               <a:rPr lang="zh-CN" altLang="en-US" smtClean="0"/>
-              <a:t>2017/10/8</a:t>
+              <a:t>2017/10/10</a:t>
             </a:fld>
             <a:endParaRPr lang="zh-CN" altLang="en-US"/>
           </a:p>
@@ -2548,7 +2560,7 @@
           <a:p>
             <a:fld id="{530820CF-B880-4189-942D-D702A7CBA730}" type="datetimeFigureOut">
               <a:rPr lang="zh-CN" altLang="en-US" smtClean="0"/>
-              <a:t>2017/10/8</a:t>
+              <a:t>2017/10/10</a:t>
             </a:fld>
             <a:endParaRPr lang="zh-CN" altLang="en-US"/>
           </a:p>
@@ -2699,7 +2711,7 @@
           <a:p>
             <a:fld id="{530820CF-B880-4189-942D-D702A7CBA730}" type="datetimeFigureOut">
               <a:rPr lang="zh-CN" altLang="en-US" smtClean="0"/>
-              <a:t>2017/10/8</a:t>
+              <a:t>2017/10/10</a:t>
             </a:fld>
             <a:endParaRPr lang="zh-CN" altLang="en-US"/>
           </a:p>
@@ -4525,7 +4537,7 @@
           <a:p>
             <a:fld id="{530820CF-B880-4189-942D-D702A7CBA730}" type="datetimeFigureOut">
               <a:rPr lang="zh-CN" altLang="en-US" smtClean="0"/>
-              <a:t>2017/10/8</a:t>
+              <a:t>2017/10/10</a:t>
             </a:fld>
             <a:endParaRPr lang="zh-CN" altLang="en-US"/>
           </a:p>
@@ -6395,7 +6407,7 @@
           <a:p>
             <a:fld id="{530820CF-B880-4189-942D-D702A7CBA730}" type="datetimeFigureOut">
               <a:rPr lang="zh-CN" altLang="en-US" smtClean="0"/>
-              <a:t>2017/10/8</a:t>
+              <a:t>2017/10/10</a:t>
             </a:fld>
             <a:endParaRPr lang="zh-CN" altLang="en-US"/>
           </a:p>
@@ -6508,7 +6520,7 @@
           <a:p>
             <a:fld id="{530820CF-B880-4189-942D-D702A7CBA730}" type="datetimeFigureOut">
               <a:rPr lang="zh-CN" altLang="en-US" smtClean="0"/>
-              <a:t>2017/10/8</a:t>
+              <a:t>2017/10/10</a:t>
             </a:fld>
             <a:endParaRPr lang="zh-CN" altLang="en-US"/>
           </a:p>
@@ -7049,7 +7061,7 @@
           <a:p>
             <a:fld id="{530820CF-B880-4189-942D-D702A7CBA730}" type="datetimeFigureOut">
               <a:rPr lang="zh-CN" altLang="en-US" smtClean="0"/>
-              <a:t>2017/10/8</a:t>
+              <a:t>2017/10/10</a:t>
             </a:fld>
             <a:endParaRPr lang="zh-CN" altLang="en-US"/>
           </a:p>
@@ -7162,7 +7174,7 @@
           <a:p>
             <a:fld id="{530820CF-B880-4189-942D-D702A7CBA730}" type="datetimeFigureOut">
               <a:rPr lang="zh-CN" altLang="en-US" smtClean="0"/>
-              <a:t>2017/10/8</a:t>
+              <a:t>2017/10/10</a:t>
             </a:fld>
             <a:endParaRPr lang="zh-CN" altLang="en-US"/>
           </a:p>
@@ -8873,7 +8885,7 @@
           <a:p>
             <a:fld id="{530820CF-B880-4189-942D-D702A7CBA730}" type="datetimeFigureOut">
               <a:rPr lang="zh-CN" altLang="en-US" smtClean="0"/>
-              <a:t>2017/10/8</a:t>
+              <a:t>2017/10/10</a:t>
             </a:fld>
             <a:endParaRPr lang="zh-CN" altLang="en-US"/>
           </a:p>
@@ -9024,7 +9036,7 @@
           <a:p>
             <a:fld id="{530820CF-B880-4189-942D-D702A7CBA730}" type="datetimeFigureOut">
               <a:rPr lang="zh-CN" altLang="en-US" smtClean="0"/>
-              <a:t>2017/10/8</a:t>
+              <a:t>2017/10/10</a:t>
             </a:fld>
             <a:endParaRPr lang="zh-CN" altLang="en-US"/>
           </a:p>
@@ -12639,7 +12651,7 @@
           <a:p>
             <a:fld id="{530820CF-B880-4189-942D-D702A7CBA730}" type="datetimeFigureOut">
               <a:rPr lang="zh-CN" altLang="en-US" smtClean="0"/>
-              <a:t>2017/10/8</a:t>
+              <a:t>2017/10/10</a:t>
             </a:fld>
             <a:endParaRPr lang="zh-CN" altLang="en-US"/>
           </a:p>
@@ -14498,7 +14510,7 @@
           <a:p>
             <a:fld id="{530820CF-B880-4189-942D-D702A7CBA730}" type="datetimeFigureOut">
               <a:rPr lang="zh-CN" altLang="en-US" smtClean="0"/>
-              <a:t>2017/10/8</a:t>
+              <a:t>2017/10/10</a:t>
             </a:fld>
             <a:endParaRPr lang="zh-CN" altLang="en-US"/>
           </a:p>
@@ -15548,6 +15560,1457 @@
 </p:sld>
 </file>
 
+<file path=ppt/slides/slide13.xml><?xml version="1.0" encoding="utf-8"?>
+<p:sld xmlns:a="http://schemas.openxmlformats.org/drawingml/2006/main" xmlns:r="http://schemas.openxmlformats.org/officeDocument/2006/relationships" xmlns:p="http://schemas.openxmlformats.org/presentationml/2006/main">
+  <p:cSld>
+    <p:spTree>
+      <p:nvGrpSpPr>
+        <p:cNvPr id="1" name=""/>
+        <p:cNvGrpSpPr/>
+        <p:nvPr/>
+      </p:nvGrpSpPr>
+      <p:grpSpPr>
+        <a:xfrm>
+          <a:off x="0" y="0"/>
+          <a:ext cx="0" cy="0"/>
+          <a:chOff x="0" y="0"/>
+          <a:chExt cx="0" cy="0"/>
+        </a:xfrm>
+      </p:grpSpPr>
+      <p:sp>
+        <p:nvSpPr>
+          <p:cNvPr id="2" name="内容占位符 1"/>
+          <p:cNvSpPr>
+            <a:spLocks noGrp="1"/>
+          </p:cNvSpPr>
+          <p:nvPr>
+            <p:ph idx="1"/>
+          </p:nvPr>
+        </p:nvSpPr>
+        <p:spPr/>
+        <p:txBody>
+          <a:bodyPr/>
+          <a:lstStyle/>
+          <a:p>
+            <a:r>
+              <a:rPr lang="zh-CN" altLang="en-US" dirty="0" smtClean="0"/>
+              <a:t>访问</a:t>
+            </a:r>
+            <a:r>
+              <a:rPr lang="en-US" altLang="zh-CN" dirty="0">
+                <a:hlinkClick r:id="rId2"/>
+              </a:rPr>
+              <a:t>http://www.python.org/download</a:t>
+            </a:r>
+            <a:r>
+              <a:rPr lang="en-US" altLang="zh-CN" dirty="0" smtClean="0">
+                <a:hlinkClick r:id="rId2"/>
+              </a:rPr>
+              <a:t>/</a:t>
+            </a:r>
+            <a:r>
+              <a:rPr lang="zh-CN" altLang="en-US" dirty="0" smtClean="0"/>
+              <a:t>下载相应</a:t>
+            </a:r>
+            <a:r>
+              <a:rPr lang="en-US" altLang="zh-CN" dirty="0" smtClean="0"/>
+              <a:t>Python</a:t>
+            </a:r>
+            <a:r>
+              <a:rPr lang="zh-CN" altLang="en-US" dirty="0" smtClean="0"/>
+              <a:t>版本。</a:t>
+            </a:r>
+            <a:endParaRPr lang="en-US" altLang="zh-CN" dirty="0" smtClean="0"/>
+          </a:p>
+          <a:p>
+            <a:endParaRPr lang="zh-CN" altLang="en-US" dirty="0"/>
+          </a:p>
+        </p:txBody>
+      </p:sp>
+      <p:sp>
+        <p:nvSpPr>
+          <p:cNvPr id="3" name="标题 2"/>
+          <p:cNvSpPr>
+            <a:spLocks noGrp="1"/>
+          </p:cNvSpPr>
+          <p:nvPr>
+            <p:ph type="title"/>
+          </p:nvPr>
+        </p:nvSpPr>
+        <p:spPr/>
+        <p:txBody>
+          <a:bodyPr/>
+          <a:lstStyle/>
+          <a:p>
+            <a:r>
+              <a:rPr lang="en-US" altLang="zh-CN" dirty="0"/>
+              <a:t>Python</a:t>
+            </a:r>
+            <a:r>
+              <a:rPr lang="zh-CN" altLang="en-US" dirty="0"/>
+              <a:t>的环境搭建</a:t>
+            </a:r>
+          </a:p>
+        </p:txBody>
+      </p:sp>
+      <p:pic>
+        <p:nvPicPr>
+          <p:cNvPr id="1027" name="Picture 3"/>
+          <p:cNvPicPr>
+            <a:picLocks noChangeAspect="1" noChangeArrowheads="1"/>
+          </p:cNvPicPr>
+          <p:nvPr/>
+        </p:nvPicPr>
+        <p:blipFill>
+          <a:blip r:embed="rId3">
+            <a:extLst>
+              <a:ext uri="{28A0092B-C50C-407E-A947-70E740481C1C}">
+                <a14:useLocalDpi xmlns:a14="http://schemas.microsoft.com/office/drawing/2010/main" val="0"/>
+              </a:ext>
+            </a:extLst>
+          </a:blip>
+          <a:srcRect/>
+          <a:stretch>
+            <a:fillRect/>
+          </a:stretch>
+        </p:blipFill>
+        <p:spPr bwMode="auto">
+          <a:xfrm>
+            <a:off x="971601" y="3573016"/>
+            <a:ext cx="7344816" cy="3140968"/>
+          </a:xfrm>
+          <a:prstGeom prst="rect">
+            <a:avLst/>
+          </a:prstGeom>
+          <a:noFill/>
+          <a:ln>
+            <a:noFill/>
+          </a:ln>
+          <a:extLst>
+            <a:ext uri="{909E8E84-426E-40DD-AFC4-6F175D3DCCD1}">
+              <a14:hiddenFill xmlns:a14="http://schemas.microsoft.com/office/drawing/2010/main">
+                <a:solidFill>
+                  <a:schemeClr val="accent1"/>
+                </a:solidFill>
+              </a14:hiddenFill>
+            </a:ext>
+            <a:ext uri="{91240B29-F687-4F45-9708-019B960494DF}">
+              <a14:hiddenLine xmlns:a14="http://schemas.microsoft.com/office/drawing/2010/main" w="9525">
+                <a:solidFill>
+                  <a:schemeClr val="tx1"/>
+                </a:solidFill>
+                <a:miter lim="800000"/>
+                <a:headEnd/>
+                <a:tailEnd/>
+              </a14:hiddenLine>
+            </a:ext>
+          </a:extLst>
+        </p:spPr>
+      </p:pic>
+    </p:spTree>
+    <p:extLst>
+      <p:ext uri="{BB962C8B-B14F-4D97-AF65-F5344CB8AC3E}">
+        <p14:creationId xmlns:p14="http://schemas.microsoft.com/office/powerpoint/2010/main" val="1585533406"/>
+      </p:ext>
+    </p:extLst>
+  </p:cSld>
+  <p:clrMapOvr>
+    <a:masterClrMapping/>
+  </p:clrMapOvr>
+  <p:timing>
+    <p:tnLst>
+      <p:par>
+        <p:cTn id="1" dur="indefinite" restart="never" nodeType="tmRoot"/>
+      </p:par>
+    </p:tnLst>
+  </p:timing>
+</p:sld>
+</file>
+
+<file path=ppt/slides/slide14.xml><?xml version="1.0" encoding="utf-8"?>
+<p:sld xmlns:a="http://schemas.openxmlformats.org/drawingml/2006/main" xmlns:r="http://schemas.openxmlformats.org/officeDocument/2006/relationships" xmlns:p="http://schemas.openxmlformats.org/presentationml/2006/main">
+  <p:cSld>
+    <p:spTree>
+      <p:nvGrpSpPr>
+        <p:cNvPr id="1" name=""/>
+        <p:cNvGrpSpPr/>
+        <p:nvPr/>
+      </p:nvGrpSpPr>
+      <p:grpSpPr>
+        <a:xfrm>
+          <a:off x="0" y="0"/>
+          <a:ext cx="0" cy="0"/>
+          <a:chOff x="0" y="0"/>
+          <a:chExt cx="0" cy="0"/>
+        </a:xfrm>
+      </p:grpSpPr>
+      <p:sp>
+        <p:nvSpPr>
+          <p:cNvPr id="2" name="内容占位符 1"/>
+          <p:cNvSpPr>
+            <a:spLocks noGrp="1"/>
+          </p:cNvSpPr>
+          <p:nvPr>
+            <p:ph idx="1"/>
+          </p:nvPr>
+        </p:nvSpPr>
+        <p:spPr/>
+        <p:txBody>
+          <a:bodyPr/>
+          <a:lstStyle/>
+          <a:p>
+            <a:r>
+              <a:rPr lang="en-US" altLang="zh-CN" dirty="0"/>
+              <a:t>python</a:t>
+            </a:r>
+            <a:r>
+              <a:rPr lang="zh-CN" altLang="en-US" dirty="0"/>
+              <a:t>版本主要有</a:t>
+            </a:r>
+            <a:r>
+              <a:rPr lang="en-US" altLang="zh-CN" dirty="0"/>
+              <a:t>2.7.x</a:t>
+            </a:r>
+            <a:r>
+              <a:rPr lang="zh-CN" altLang="en-US" dirty="0"/>
+              <a:t>和</a:t>
+            </a:r>
+            <a:r>
+              <a:rPr lang="en-US" altLang="zh-CN" dirty="0"/>
+              <a:t>3.x</a:t>
+            </a:r>
+            <a:r>
+              <a:rPr lang="zh-CN" altLang="en-US" dirty="0"/>
+              <a:t>，主要有以下区别</a:t>
+            </a:r>
+            <a:r>
+              <a:rPr lang="zh-CN" altLang="en-US" dirty="0" smtClean="0"/>
+              <a:t>：</a:t>
+            </a:r>
+            <a:endParaRPr lang="en-US" altLang="zh-CN" dirty="0" smtClean="0"/>
+          </a:p>
+          <a:p>
+            <a:endParaRPr lang="zh-CN" altLang="en-US" dirty="0"/>
+          </a:p>
+        </p:txBody>
+      </p:sp>
+      <p:sp>
+        <p:nvSpPr>
+          <p:cNvPr id="3" name="标题 2"/>
+          <p:cNvSpPr>
+            <a:spLocks noGrp="1"/>
+          </p:cNvSpPr>
+          <p:nvPr>
+            <p:ph type="title"/>
+          </p:nvPr>
+        </p:nvSpPr>
+        <p:spPr/>
+        <p:txBody>
+          <a:bodyPr/>
+          <a:lstStyle/>
+          <a:p>
+            <a:r>
+              <a:rPr lang="en-US" altLang="zh-CN" dirty="0"/>
+              <a:t>Python</a:t>
+            </a:r>
+            <a:r>
+              <a:rPr lang="zh-CN" altLang="en-US" dirty="0"/>
+              <a:t>的环境搭建</a:t>
+            </a:r>
+          </a:p>
+        </p:txBody>
+      </p:sp>
+    </p:spTree>
+    <p:extLst>
+      <p:ext uri="{BB962C8B-B14F-4D97-AF65-F5344CB8AC3E}">
+        <p14:creationId xmlns:p14="http://schemas.microsoft.com/office/powerpoint/2010/main" val="4097811288"/>
+      </p:ext>
+    </p:extLst>
+  </p:cSld>
+  <p:clrMapOvr>
+    <a:masterClrMapping/>
+  </p:clrMapOvr>
+  <p:timing>
+    <p:tnLst>
+      <p:par>
+        <p:cTn id="1" dur="indefinite" restart="never" nodeType="tmRoot"/>
+      </p:par>
+    </p:tnLst>
+  </p:timing>
+</p:sld>
+</file>
+
+<file path=ppt/slides/slide15.xml><?xml version="1.0" encoding="utf-8"?>
+<p:sld xmlns:a="http://schemas.openxmlformats.org/drawingml/2006/main" xmlns:r="http://schemas.openxmlformats.org/officeDocument/2006/relationships" xmlns:p="http://schemas.openxmlformats.org/presentationml/2006/main">
+  <p:cSld>
+    <p:spTree>
+      <p:nvGrpSpPr>
+        <p:cNvPr id="1" name=""/>
+        <p:cNvGrpSpPr/>
+        <p:nvPr/>
+      </p:nvGrpSpPr>
+      <p:grpSpPr>
+        <a:xfrm>
+          <a:off x="0" y="0"/>
+          <a:ext cx="0" cy="0"/>
+          <a:chOff x="0" y="0"/>
+          <a:chExt cx="0" cy="0"/>
+        </a:xfrm>
+      </p:grpSpPr>
+      <p:sp>
+        <p:nvSpPr>
+          <p:cNvPr id="2" name="内容占位符 1"/>
+          <p:cNvSpPr>
+            <a:spLocks noGrp="1"/>
+          </p:cNvSpPr>
+          <p:nvPr>
+            <p:ph idx="1"/>
+          </p:nvPr>
+        </p:nvSpPr>
+        <p:spPr/>
+        <p:txBody>
+          <a:bodyPr/>
+          <a:lstStyle/>
+          <a:p>
+            <a:r>
+              <a:rPr lang="zh-CN" altLang="en-US" dirty="0" smtClean="0"/>
+              <a:t>运行</a:t>
+            </a:r>
+            <a:r>
+              <a:rPr lang="en-US" altLang="zh-CN" dirty="0" smtClean="0"/>
+              <a:t>Python</a:t>
+            </a:r>
+            <a:r>
+              <a:rPr lang="zh-CN" altLang="en-US" dirty="0" smtClean="0"/>
+              <a:t>，有三种不同方式来启动</a:t>
+            </a:r>
+            <a:r>
+              <a:rPr lang="en-US" altLang="zh-CN" dirty="0" smtClean="0"/>
+              <a:t>Python</a:t>
+            </a:r>
+            <a:r>
+              <a:rPr lang="zh-CN" altLang="en-US" dirty="0" smtClean="0"/>
+              <a:t>。</a:t>
+            </a:r>
+            <a:endParaRPr lang="en-US" altLang="zh-CN" dirty="0" smtClean="0"/>
+          </a:p>
+          <a:p>
+            <a:pPr lvl="1">
+              <a:buFont typeface="Wingdings" panose="05000000000000000000" pitchFamily="2" charset="2"/>
+              <a:buChar char="n"/>
+            </a:pPr>
+            <a:r>
+              <a:rPr lang="zh-CN" altLang="en-US" dirty="0"/>
+              <a:t>命令行上的交互式</a:t>
+            </a:r>
+            <a:r>
+              <a:rPr lang="zh-CN" altLang="en-US" dirty="0" smtClean="0"/>
+              <a:t>解释器</a:t>
+            </a:r>
+            <a:endParaRPr lang="en-US" altLang="zh-CN" dirty="0" smtClean="0"/>
+          </a:p>
+          <a:p>
+            <a:pPr marL="301943" lvl="1" indent="0">
+              <a:buNone/>
+            </a:pPr>
+            <a:r>
+              <a:rPr lang="zh-CN" altLang="en-US" dirty="0"/>
+              <a:t>命令行，</a:t>
+            </a:r>
+            <a:r>
+              <a:rPr lang="zh-CN" altLang="en-US" dirty="0">
+                <a:solidFill>
+                  <a:srgbClr val="FF0000"/>
+                </a:solidFill>
+              </a:rPr>
+              <a:t>输入</a:t>
+            </a:r>
+            <a:r>
+              <a:rPr lang="en-US" altLang="zh-CN" dirty="0">
+                <a:solidFill>
+                  <a:srgbClr val="FF0000"/>
+                </a:solidFill>
+              </a:rPr>
+              <a:t>$python</a:t>
+            </a:r>
+            <a:r>
+              <a:rPr lang="zh-CN" altLang="en-US" dirty="0"/>
+              <a:t>， 进入</a:t>
+            </a:r>
+            <a:r>
+              <a:rPr lang="en-US" altLang="zh-CN" dirty="0"/>
+              <a:t>python</a:t>
+            </a:r>
+            <a:r>
+              <a:rPr lang="zh-CN" altLang="en-US" dirty="0"/>
+              <a:t>解释器提示符</a:t>
+            </a:r>
+            <a:r>
+              <a:rPr lang="en-US" altLang="zh-CN" dirty="0"/>
+              <a:t>"&gt;&gt;&gt;"</a:t>
+            </a:r>
+            <a:r>
+              <a:rPr lang="zh-CN" altLang="en-US" dirty="0"/>
+              <a:t>，然后就可以执行相应的功能代码</a:t>
+            </a:r>
+            <a:r>
+              <a:rPr lang="zh-CN" altLang="en-US" dirty="0" smtClean="0"/>
+              <a:t>；</a:t>
+            </a:r>
+            <a:endParaRPr lang="en-US" altLang="zh-CN" dirty="0" smtClean="0"/>
+          </a:p>
+          <a:p>
+            <a:pPr marL="301943" lvl="1" indent="0">
+              <a:buNone/>
+            </a:pPr>
+            <a:endParaRPr lang="en-US" altLang="zh-CN" dirty="0" smtClean="0"/>
+          </a:p>
+        </p:txBody>
+      </p:sp>
+      <p:sp>
+        <p:nvSpPr>
+          <p:cNvPr id="3" name="标题 2"/>
+          <p:cNvSpPr>
+            <a:spLocks noGrp="1"/>
+          </p:cNvSpPr>
+          <p:nvPr>
+            <p:ph type="title"/>
+          </p:nvPr>
+        </p:nvSpPr>
+        <p:spPr/>
+        <p:txBody>
+          <a:bodyPr/>
+          <a:lstStyle/>
+          <a:p>
+            <a:r>
+              <a:rPr lang="en-US" altLang="zh-CN" dirty="0"/>
+              <a:t>Python</a:t>
+            </a:r>
+            <a:r>
+              <a:rPr lang="zh-CN" altLang="en-US" dirty="0"/>
+              <a:t>的环境搭建</a:t>
+            </a:r>
+          </a:p>
+        </p:txBody>
+      </p:sp>
+      <p:pic>
+        <p:nvPicPr>
+          <p:cNvPr id="2050" name="Picture 2"/>
+          <p:cNvPicPr>
+            <a:picLocks noChangeAspect="1" noChangeArrowheads="1"/>
+          </p:cNvPicPr>
+          <p:nvPr/>
+        </p:nvPicPr>
+        <p:blipFill>
+          <a:blip r:embed="rId2">
+            <a:extLst>
+              <a:ext uri="{28A0092B-C50C-407E-A947-70E740481C1C}">
+                <a14:useLocalDpi xmlns:a14="http://schemas.microsoft.com/office/drawing/2010/main" val="0"/>
+              </a:ext>
+            </a:extLst>
+          </a:blip>
+          <a:srcRect/>
+          <a:stretch>
+            <a:fillRect/>
+          </a:stretch>
+        </p:blipFill>
+        <p:spPr bwMode="auto">
+          <a:xfrm>
+            <a:off x="1187623" y="4293095"/>
+            <a:ext cx="6552729" cy="2564905"/>
+          </a:xfrm>
+          <a:prstGeom prst="rect">
+            <a:avLst/>
+          </a:prstGeom>
+          <a:noFill/>
+          <a:ln>
+            <a:noFill/>
+          </a:ln>
+          <a:extLst>
+            <a:ext uri="{909E8E84-426E-40DD-AFC4-6F175D3DCCD1}">
+              <a14:hiddenFill xmlns:a14="http://schemas.microsoft.com/office/drawing/2010/main">
+                <a:solidFill>
+                  <a:schemeClr val="accent1"/>
+                </a:solidFill>
+              </a14:hiddenFill>
+            </a:ext>
+            <a:ext uri="{91240B29-F687-4F45-9708-019B960494DF}">
+              <a14:hiddenLine xmlns:a14="http://schemas.microsoft.com/office/drawing/2010/main" w="9525">
+                <a:solidFill>
+                  <a:schemeClr val="tx1"/>
+                </a:solidFill>
+                <a:miter lim="800000"/>
+                <a:headEnd/>
+                <a:tailEnd/>
+              </a14:hiddenLine>
+            </a:ext>
+          </a:extLst>
+        </p:spPr>
+      </p:pic>
+    </p:spTree>
+    <p:extLst>
+      <p:ext uri="{BB962C8B-B14F-4D97-AF65-F5344CB8AC3E}">
+        <p14:creationId xmlns:p14="http://schemas.microsoft.com/office/powerpoint/2010/main" val="3676496970"/>
+      </p:ext>
+    </p:extLst>
+  </p:cSld>
+  <p:clrMapOvr>
+    <a:masterClrMapping/>
+  </p:clrMapOvr>
+  <p:timing>
+    <p:tnLst>
+      <p:par>
+        <p:cTn id="1" dur="indefinite" restart="never" nodeType="tmRoot"/>
+      </p:par>
+    </p:tnLst>
+  </p:timing>
+</p:sld>
+</file>
+
+<file path=ppt/slides/slide16.xml><?xml version="1.0" encoding="utf-8"?>
+<p:sld xmlns:a="http://schemas.openxmlformats.org/drawingml/2006/main" xmlns:r="http://schemas.openxmlformats.org/officeDocument/2006/relationships" xmlns:p="http://schemas.openxmlformats.org/presentationml/2006/main">
+  <p:cSld>
+    <p:spTree>
+      <p:nvGrpSpPr>
+        <p:cNvPr id="1" name=""/>
+        <p:cNvGrpSpPr/>
+        <p:nvPr/>
+      </p:nvGrpSpPr>
+      <p:grpSpPr>
+        <a:xfrm>
+          <a:off x="0" y="0"/>
+          <a:ext cx="0" cy="0"/>
+          <a:chOff x="0" y="0"/>
+          <a:chExt cx="0" cy="0"/>
+        </a:xfrm>
+      </p:grpSpPr>
+      <p:sp>
+        <p:nvSpPr>
+          <p:cNvPr id="2" name="内容占位符 1"/>
+          <p:cNvSpPr>
+            <a:spLocks noGrp="1"/>
+          </p:cNvSpPr>
+          <p:nvPr>
+            <p:ph idx="1"/>
+          </p:nvPr>
+        </p:nvSpPr>
+        <p:spPr/>
+        <p:txBody>
+          <a:bodyPr>
+            <a:normAutofit/>
+          </a:bodyPr>
+          <a:lstStyle/>
+          <a:p>
+            <a:pPr>
+              <a:buFont typeface="Wingdings" panose="05000000000000000000" pitchFamily="2" charset="2"/>
+              <a:buChar char="n"/>
+            </a:pPr>
+            <a:r>
+              <a:rPr lang="zh-CN" altLang="en-US" dirty="0"/>
+              <a:t>命令行启动</a:t>
+            </a:r>
+            <a:r>
+              <a:rPr lang="en-US" altLang="zh-CN" dirty="0"/>
+              <a:t>python</a:t>
+            </a:r>
+            <a:r>
+              <a:rPr lang="zh-CN" altLang="en-US" dirty="0" smtClean="0"/>
+              <a:t>脚本</a:t>
+            </a:r>
+            <a:endParaRPr lang="en-US" altLang="zh-CN" dirty="0"/>
+          </a:p>
+          <a:p>
+            <a:pPr marL="0" indent="0">
+              <a:buNone/>
+            </a:pPr>
+            <a:r>
+              <a:rPr lang="en-US" altLang="zh-CN" dirty="0"/>
+              <a:t>Python</a:t>
+            </a:r>
+            <a:r>
+              <a:rPr lang="zh-CN" altLang="en-US" dirty="0"/>
+              <a:t>脚本使用的文件扩展名是</a:t>
+            </a:r>
+            <a:r>
+              <a:rPr lang="en-US" altLang="zh-CN" dirty="0"/>
+              <a:t>.</a:t>
+            </a:r>
+            <a:r>
+              <a:rPr lang="en-US" altLang="zh-CN" dirty="0" err="1"/>
+              <a:t>py</a:t>
+            </a:r>
+            <a:r>
+              <a:rPr lang="en-US" altLang="zh-CN" dirty="0"/>
+              <a:t>, </a:t>
+            </a:r>
+            <a:r>
+              <a:rPr lang="zh-CN" altLang="en-US" dirty="0"/>
+              <a:t>命令中，输入</a:t>
+            </a:r>
+            <a:r>
+              <a:rPr lang="en-US" altLang="zh-CN" dirty="0">
+                <a:solidFill>
+                  <a:srgbClr val="FF0000"/>
+                </a:solidFill>
+              </a:rPr>
+              <a:t>$python scripy.py</a:t>
+            </a:r>
+            <a:r>
+              <a:rPr lang="zh-CN" altLang="en-US" dirty="0">
+                <a:solidFill>
+                  <a:srgbClr val="FF0000"/>
+                </a:solidFill>
+              </a:rPr>
+              <a:t>，来启动</a:t>
+            </a:r>
+            <a:r>
+              <a:rPr lang="en-US" altLang="zh-CN" dirty="0">
+                <a:solidFill>
+                  <a:srgbClr val="FF0000"/>
+                </a:solidFill>
+              </a:rPr>
+              <a:t>python</a:t>
+            </a:r>
+            <a:r>
+              <a:rPr lang="zh-CN" altLang="en-US" dirty="0" smtClean="0">
+                <a:solidFill>
+                  <a:srgbClr val="FF0000"/>
+                </a:solidFill>
+              </a:rPr>
+              <a:t>脚本</a:t>
+            </a:r>
+            <a:endParaRPr lang="en-US" altLang="zh-CN" dirty="0" smtClean="0">
+              <a:solidFill>
+                <a:srgbClr val="FF0000"/>
+              </a:solidFill>
+            </a:endParaRPr>
+          </a:p>
+        </p:txBody>
+      </p:sp>
+      <p:sp>
+        <p:nvSpPr>
+          <p:cNvPr id="3" name="标题 2"/>
+          <p:cNvSpPr>
+            <a:spLocks noGrp="1"/>
+          </p:cNvSpPr>
+          <p:nvPr>
+            <p:ph type="title"/>
+          </p:nvPr>
+        </p:nvSpPr>
+        <p:spPr/>
+        <p:txBody>
+          <a:bodyPr/>
+          <a:lstStyle/>
+          <a:p>
+            <a:r>
+              <a:rPr lang="en-US" altLang="zh-CN" dirty="0"/>
+              <a:t>Python</a:t>
+            </a:r>
+            <a:r>
+              <a:rPr lang="zh-CN" altLang="en-US" dirty="0"/>
+              <a:t>的环境搭建</a:t>
+            </a:r>
+          </a:p>
+        </p:txBody>
+      </p:sp>
+    </p:spTree>
+    <p:extLst>
+      <p:ext uri="{BB962C8B-B14F-4D97-AF65-F5344CB8AC3E}">
+        <p14:creationId xmlns:p14="http://schemas.microsoft.com/office/powerpoint/2010/main" val="4096553142"/>
+      </p:ext>
+    </p:extLst>
+  </p:cSld>
+  <p:clrMapOvr>
+    <a:masterClrMapping/>
+  </p:clrMapOvr>
+  <p:timing>
+    <p:tnLst>
+      <p:par>
+        <p:cTn id="1" dur="indefinite" restart="never" nodeType="tmRoot"/>
+      </p:par>
+    </p:tnLst>
+  </p:timing>
+</p:sld>
+</file>
+
+<file path=ppt/slides/slide17.xml><?xml version="1.0" encoding="utf-8"?>
+<p:sld xmlns:a="http://schemas.openxmlformats.org/drawingml/2006/main" xmlns:r="http://schemas.openxmlformats.org/officeDocument/2006/relationships" xmlns:p="http://schemas.openxmlformats.org/presentationml/2006/main">
+  <p:cSld>
+    <p:spTree>
+      <p:nvGrpSpPr>
+        <p:cNvPr id="1" name=""/>
+        <p:cNvGrpSpPr/>
+        <p:nvPr/>
+      </p:nvGrpSpPr>
+      <p:grpSpPr>
+        <a:xfrm>
+          <a:off x="0" y="0"/>
+          <a:ext cx="0" cy="0"/>
+          <a:chOff x="0" y="0"/>
+          <a:chExt cx="0" cy="0"/>
+        </a:xfrm>
+      </p:grpSpPr>
+      <p:sp>
+        <p:nvSpPr>
+          <p:cNvPr id="2" name="内容占位符 1"/>
+          <p:cNvSpPr>
+            <a:spLocks noGrp="1"/>
+          </p:cNvSpPr>
+          <p:nvPr>
+            <p:ph idx="1"/>
+          </p:nvPr>
+        </p:nvSpPr>
+        <p:spPr/>
+        <p:txBody>
+          <a:bodyPr/>
+          <a:lstStyle/>
+          <a:p>
+            <a:pPr>
+              <a:buFont typeface="Wingdings" panose="05000000000000000000" pitchFamily="2" charset="2"/>
+              <a:buChar char="n"/>
+            </a:pPr>
+            <a:r>
+              <a:rPr lang="zh-CN" altLang="en-US" dirty="0"/>
+              <a:t>集成开发</a:t>
+            </a:r>
+            <a:r>
+              <a:rPr lang="zh-CN" altLang="en-US" dirty="0" smtClean="0"/>
+              <a:t>环境</a:t>
+            </a:r>
+            <a:endParaRPr lang="en-US" altLang="zh-CN" dirty="0" smtClean="0"/>
+          </a:p>
+          <a:p>
+            <a:pPr marL="0" indent="0">
+              <a:buNone/>
+            </a:pPr>
+            <a:r>
+              <a:rPr lang="en-US" altLang="zh-CN" dirty="0"/>
+              <a:t>     </a:t>
+            </a:r>
+            <a:r>
+              <a:rPr lang="en-US" altLang="zh-CN" dirty="0">
+                <a:solidFill>
+                  <a:srgbClr val="FF0000"/>
+                </a:solidFill>
+              </a:rPr>
+              <a:t>PythonWin</a:t>
+            </a:r>
+            <a:r>
+              <a:rPr lang="zh-CN" altLang="en-US" dirty="0"/>
+              <a:t>是</a:t>
+            </a:r>
+            <a:r>
+              <a:rPr lang="en-US" altLang="zh-CN" dirty="0"/>
+              <a:t>windows</a:t>
+            </a:r>
+            <a:r>
+              <a:rPr lang="zh-CN" altLang="en-US" dirty="0"/>
+              <a:t>平台</a:t>
+            </a:r>
+            <a:r>
+              <a:rPr lang="en-US" altLang="zh-CN" dirty="0"/>
+              <a:t>Python</a:t>
+            </a:r>
+            <a:r>
+              <a:rPr lang="zh-CN" altLang="en-US" dirty="0"/>
+              <a:t>第一个</a:t>
+            </a:r>
+            <a:r>
+              <a:rPr lang="en-US" altLang="zh-CN" dirty="0"/>
+              <a:t>Windows</a:t>
+            </a:r>
+            <a:r>
+              <a:rPr lang="zh-CN" altLang="en-US" dirty="0"/>
+              <a:t>接口，并且还带有图形用户界面的集成开发环境。</a:t>
+            </a:r>
+            <a:r>
+              <a:rPr lang="en-US" altLang="zh-CN" dirty="0"/>
+              <a:t>PythonWin</a:t>
+            </a:r>
+            <a:r>
+              <a:rPr lang="zh-CN" altLang="en-US" dirty="0"/>
+              <a:t>发行版本中包含</a:t>
+            </a:r>
+            <a:r>
+              <a:rPr lang="en-US" altLang="zh-CN" dirty="0"/>
+              <a:t>WindowsAPI</a:t>
+            </a:r>
+            <a:r>
+              <a:rPr lang="zh-CN" altLang="en-US" dirty="0"/>
+              <a:t>和</a:t>
+            </a:r>
+            <a:r>
+              <a:rPr lang="en-US" altLang="zh-CN" dirty="0"/>
+              <a:t>COM</a:t>
+            </a:r>
+            <a:r>
+              <a:rPr lang="zh-CN" altLang="en-US" dirty="0"/>
+              <a:t>接口的扩展。</a:t>
+            </a:r>
+            <a:r>
+              <a:rPr lang="en-US" altLang="zh-CN" dirty="0"/>
+              <a:t>PythonWin</a:t>
+            </a:r>
+            <a:r>
+              <a:rPr lang="zh-CN" altLang="en-US" dirty="0"/>
+              <a:t>本身是针对</a:t>
+            </a:r>
+            <a:r>
+              <a:rPr lang="en-US" altLang="zh-CN" dirty="0"/>
+              <a:t>MFC</a:t>
+            </a:r>
+            <a:r>
+              <a:rPr lang="zh-CN" altLang="en-US" dirty="0"/>
+              <a:t>库编写，可以作为开发环境来开发自己的</a:t>
+            </a:r>
+            <a:r>
+              <a:rPr lang="en-US" altLang="zh-CN" dirty="0"/>
+              <a:t>Windows</a:t>
+            </a:r>
+            <a:r>
+              <a:rPr lang="zh-CN" altLang="en-US" dirty="0"/>
+              <a:t>应用程序。</a:t>
+            </a:r>
+          </a:p>
+        </p:txBody>
+      </p:sp>
+      <p:sp>
+        <p:nvSpPr>
+          <p:cNvPr id="3" name="标题 2"/>
+          <p:cNvSpPr>
+            <a:spLocks noGrp="1"/>
+          </p:cNvSpPr>
+          <p:nvPr>
+            <p:ph type="title"/>
+          </p:nvPr>
+        </p:nvSpPr>
+        <p:spPr/>
+        <p:txBody>
+          <a:bodyPr/>
+          <a:lstStyle/>
+          <a:p>
+            <a:r>
+              <a:rPr lang="en-US" altLang="zh-CN" dirty="0"/>
+              <a:t>Python</a:t>
+            </a:r>
+            <a:r>
+              <a:rPr lang="zh-CN" altLang="en-US" dirty="0"/>
+              <a:t>的环境搭建</a:t>
+            </a:r>
+          </a:p>
+        </p:txBody>
+      </p:sp>
+    </p:spTree>
+    <p:extLst>
+      <p:ext uri="{BB962C8B-B14F-4D97-AF65-F5344CB8AC3E}">
+        <p14:creationId xmlns:p14="http://schemas.microsoft.com/office/powerpoint/2010/main" val="1321947485"/>
+      </p:ext>
+    </p:extLst>
+  </p:cSld>
+  <p:clrMapOvr>
+    <a:masterClrMapping/>
+  </p:clrMapOvr>
+  <p:timing>
+    <p:tnLst>
+      <p:par>
+        <p:cTn id="1" dur="indefinite" restart="never" nodeType="tmRoot"/>
+      </p:par>
+    </p:tnLst>
+  </p:timing>
+</p:sld>
+</file>
+
+<file path=ppt/slides/slide18.xml><?xml version="1.0" encoding="utf-8"?>
+<p:sld xmlns:a="http://schemas.openxmlformats.org/drawingml/2006/main" xmlns:r="http://schemas.openxmlformats.org/officeDocument/2006/relationships" xmlns:p="http://schemas.openxmlformats.org/presentationml/2006/main">
+  <p:cSld>
+    <p:spTree>
+      <p:nvGrpSpPr>
+        <p:cNvPr id="1" name=""/>
+        <p:cNvGrpSpPr/>
+        <p:nvPr/>
+      </p:nvGrpSpPr>
+      <p:grpSpPr>
+        <a:xfrm>
+          <a:off x="0" y="0"/>
+          <a:ext cx="0" cy="0"/>
+          <a:chOff x="0" y="0"/>
+          <a:chExt cx="0" cy="0"/>
+        </a:xfrm>
+      </p:grpSpPr>
+      <p:sp>
+        <p:nvSpPr>
+          <p:cNvPr id="2" name="内容占位符 1"/>
+          <p:cNvSpPr>
+            <a:spLocks noGrp="1"/>
+          </p:cNvSpPr>
+          <p:nvPr>
+            <p:ph idx="1"/>
+          </p:nvPr>
+        </p:nvSpPr>
+        <p:spPr/>
+        <p:txBody>
+          <a:bodyPr/>
+          <a:lstStyle/>
+          <a:p>
+            <a:r>
+              <a:rPr lang="en-US" altLang="zh-CN" dirty="0"/>
+              <a:t>Python</a:t>
+            </a:r>
+            <a:r>
+              <a:rPr lang="zh-CN" altLang="en-US" dirty="0"/>
+              <a:t>本身的数据分析能力并不强，需要安装一些第三方的扩展库来增强它的能力。以下是</a:t>
+            </a:r>
+            <a:r>
+              <a:rPr lang="en-US" altLang="zh-CN" dirty="0"/>
+              <a:t>Python</a:t>
+            </a:r>
+            <a:r>
+              <a:rPr lang="zh-CN" altLang="en-US" dirty="0"/>
+              <a:t>数据挖掘的相关扩展库的介绍：</a:t>
+            </a:r>
+          </a:p>
+        </p:txBody>
+      </p:sp>
+      <p:sp>
+        <p:nvSpPr>
+          <p:cNvPr id="3" name="标题 2"/>
+          <p:cNvSpPr>
+            <a:spLocks noGrp="1"/>
+          </p:cNvSpPr>
+          <p:nvPr>
+            <p:ph type="title"/>
+          </p:nvPr>
+        </p:nvSpPr>
+        <p:spPr/>
+        <p:txBody>
+          <a:bodyPr/>
+          <a:lstStyle/>
+          <a:p>
+            <a:r>
+              <a:rPr lang="en-US" altLang="zh-CN" dirty="0"/>
+              <a:t>Python</a:t>
+            </a:r>
+            <a:r>
+              <a:rPr lang="zh-CN" altLang="en-US" dirty="0"/>
+              <a:t>数据分析工具</a:t>
+            </a:r>
+          </a:p>
+        </p:txBody>
+      </p:sp>
+      <p:graphicFrame>
+        <p:nvGraphicFramePr>
+          <p:cNvPr id="7" name="表格 6"/>
+          <p:cNvGraphicFramePr>
+            <a:graphicFrameLocks noGrp="1"/>
+          </p:cNvGraphicFramePr>
+          <p:nvPr>
+            <p:extLst>
+              <p:ext uri="{D42A27DB-BD31-4B8C-83A1-F6EECF244321}">
+                <p14:modId xmlns:p14="http://schemas.microsoft.com/office/powerpoint/2010/main" val="1419708400"/>
+              </p:ext>
+            </p:extLst>
+          </p:nvPr>
+        </p:nvGraphicFramePr>
+        <p:xfrm>
+          <a:off x="1043608" y="4077072"/>
+          <a:ext cx="7320136" cy="1893808"/>
+        </p:xfrm>
+        <a:graphic>
+          <a:graphicData uri="http://schemas.openxmlformats.org/drawingml/2006/table">
+            <a:tbl>
+              <a:tblPr firstRow="1" bandRow="1">
+                <a:tableStyleId>{5C22544A-7EE6-4342-B048-85BDC9FD1C3A}</a:tableStyleId>
+              </a:tblPr>
+              <a:tblGrid>
+                <a:gridCol w="1944216"/>
+                <a:gridCol w="5375920"/>
+              </a:tblGrid>
+              <a:tr h="370840">
+                <a:tc>
+                  <a:txBody>
+                    <a:bodyPr/>
+                    <a:lstStyle/>
+                    <a:p>
+                      <a:pPr algn="ctr"/>
+                      <a:r>
+                        <a:rPr lang="zh-CN" altLang="en-US" dirty="0" smtClean="0"/>
+                        <a:t>第三方库</a:t>
+                      </a:r>
+                      <a:endParaRPr lang="zh-CN" altLang="en-US" dirty="0"/>
+                    </a:p>
+                  </a:txBody>
+                  <a:tcPr/>
+                </a:tc>
+                <a:tc>
+                  <a:txBody>
+                    <a:bodyPr/>
+                    <a:lstStyle/>
+                    <a:p>
+                      <a:pPr algn="ctr"/>
+                      <a:r>
+                        <a:rPr lang="zh-CN" altLang="en-US" dirty="0" smtClean="0"/>
+                        <a:t>功能</a:t>
+                      </a:r>
+                      <a:endParaRPr lang="zh-CN" altLang="en-US" dirty="0"/>
+                    </a:p>
+                  </a:txBody>
+                  <a:tcPr/>
+                </a:tc>
+              </a:tr>
+              <a:tr h="370840">
+                <a:tc>
+                  <a:txBody>
+                    <a:bodyPr/>
+                    <a:lstStyle/>
+                    <a:p>
+                      <a:r>
+                        <a:rPr lang="en-US" altLang="zh-CN" dirty="0" err="1" smtClean="0"/>
+                        <a:t>Numpy</a:t>
+                      </a:r>
+                      <a:endParaRPr lang="zh-CN" altLang="en-US" dirty="0"/>
+                    </a:p>
+                  </a:txBody>
+                  <a:tcPr/>
+                </a:tc>
+                <a:tc>
+                  <a:txBody>
+                    <a:bodyPr/>
+                    <a:lstStyle/>
+                    <a:p>
+                      <a:r>
+                        <a:rPr lang="zh-CN" altLang="en-US" dirty="0" smtClean="0"/>
+                        <a:t>提供数组支持，以及相应的高效的处理函数；</a:t>
+                      </a:r>
+                      <a:endParaRPr lang="zh-CN" altLang="en-US" dirty="0"/>
+                    </a:p>
+                  </a:txBody>
+                  <a:tcPr/>
+                </a:tc>
+              </a:tr>
+              <a:tr h="410448">
+                <a:tc>
+                  <a:txBody>
+                    <a:bodyPr/>
+                    <a:lstStyle/>
+                    <a:p>
+                      <a:r>
+                        <a:rPr lang="en-US" altLang="zh-CN" dirty="0" err="1" smtClean="0"/>
+                        <a:t>Scipy</a:t>
+                      </a:r>
+                      <a:endParaRPr lang="zh-CN" altLang="en-US" dirty="0"/>
+                    </a:p>
+                  </a:txBody>
+                  <a:tcPr/>
+                </a:tc>
+                <a:tc>
+                  <a:txBody>
+                    <a:bodyPr/>
+                    <a:lstStyle/>
+                    <a:p>
+                      <a:r>
+                        <a:rPr lang="zh-CN" altLang="en-US" dirty="0" smtClean="0"/>
+                        <a:t>提供矩阵支持，以及矩阵相关的数值计算模块；</a:t>
+                      </a:r>
+                      <a:endParaRPr lang="zh-CN" altLang="en-US" dirty="0"/>
+                    </a:p>
+                  </a:txBody>
+                  <a:tcPr/>
+                </a:tc>
+              </a:tr>
+              <a:tr h="370840">
+                <a:tc>
+                  <a:txBody>
+                    <a:bodyPr/>
+                    <a:lstStyle/>
+                    <a:p>
+                      <a:r>
+                        <a:rPr lang="en-US" altLang="zh-CN" dirty="0" err="1" smtClean="0"/>
+                        <a:t>Matplotlib</a:t>
+                      </a:r>
+                      <a:endParaRPr lang="zh-CN" altLang="en-US" dirty="0"/>
+                    </a:p>
+                  </a:txBody>
+                  <a:tcPr/>
+                </a:tc>
+                <a:tc>
+                  <a:txBody>
+                    <a:bodyPr/>
+                    <a:lstStyle/>
+                    <a:p>
+                      <a:r>
+                        <a:rPr lang="zh-CN" altLang="en-US" dirty="0" smtClean="0"/>
+                        <a:t>强大的数据可视化工具、作图库；</a:t>
+                      </a:r>
+                      <a:endParaRPr lang="zh-CN" altLang="en-US" dirty="0"/>
+                    </a:p>
+                  </a:txBody>
+                  <a:tcPr/>
+                </a:tc>
+              </a:tr>
+              <a:tr h="370840">
+                <a:tc>
+                  <a:txBody>
+                    <a:bodyPr/>
+                    <a:lstStyle/>
+                    <a:p>
+                      <a:r>
+                        <a:rPr lang="en-US" altLang="zh-CN" dirty="0" smtClean="0"/>
+                        <a:t>Pandas</a:t>
+                      </a:r>
+                      <a:endParaRPr lang="zh-CN" altLang="en-US" dirty="0"/>
+                    </a:p>
+                  </a:txBody>
+                  <a:tcPr/>
+                </a:tc>
+                <a:tc>
+                  <a:txBody>
+                    <a:bodyPr/>
+                    <a:lstStyle/>
+                    <a:p>
+                      <a:r>
+                        <a:rPr lang="zh-CN" altLang="en-US" dirty="0" smtClean="0"/>
+                        <a:t>强大、灵活的数据分析和探索工具；</a:t>
+                      </a:r>
+                      <a:endParaRPr lang="zh-CN" altLang="en-US" dirty="0"/>
+                    </a:p>
+                  </a:txBody>
+                  <a:tcPr/>
+                </a:tc>
+              </a:tr>
+            </a:tbl>
+          </a:graphicData>
+        </a:graphic>
+      </p:graphicFrame>
+    </p:spTree>
+    <p:extLst>
+      <p:ext uri="{BB962C8B-B14F-4D97-AF65-F5344CB8AC3E}">
+        <p14:creationId xmlns:p14="http://schemas.microsoft.com/office/powerpoint/2010/main" val="677589023"/>
+      </p:ext>
+    </p:extLst>
+  </p:cSld>
+  <p:clrMapOvr>
+    <a:masterClrMapping/>
+  </p:clrMapOvr>
+  <p:timing>
+    <p:tnLst>
+      <p:par>
+        <p:cTn id="1" dur="indefinite" restart="never" nodeType="tmRoot"/>
+      </p:par>
+    </p:tnLst>
+  </p:timing>
+</p:sld>
+</file>
+
+<file path=ppt/slides/slide19.xml><?xml version="1.0" encoding="utf-8"?>
+<p:sld xmlns:a="http://schemas.openxmlformats.org/drawingml/2006/main" xmlns:r="http://schemas.openxmlformats.org/officeDocument/2006/relationships" xmlns:p="http://schemas.openxmlformats.org/presentationml/2006/main">
+  <p:cSld>
+    <p:spTree>
+      <p:nvGrpSpPr>
+        <p:cNvPr id="1" name=""/>
+        <p:cNvGrpSpPr/>
+        <p:nvPr/>
+      </p:nvGrpSpPr>
+      <p:grpSpPr>
+        <a:xfrm>
+          <a:off x="0" y="0"/>
+          <a:ext cx="0" cy="0"/>
+          <a:chOff x="0" y="0"/>
+          <a:chExt cx="0" cy="0"/>
+        </a:xfrm>
+      </p:grpSpPr>
+      <p:graphicFrame>
+        <p:nvGraphicFramePr>
+          <p:cNvPr id="4" name="内容占位符 3"/>
+          <p:cNvGraphicFramePr>
+            <a:graphicFrameLocks noGrp="1"/>
+          </p:cNvGraphicFramePr>
+          <p:nvPr>
+            <p:ph idx="1"/>
+            <p:extLst>
+              <p:ext uri="{D42A27DB-BD31-4B8C-83A1-F6EECF244321}">
+                <p14:modId xmlns:p14="http://schemas.microsoft.com/office/powerpoint/2010/main" val="645855404"/>
+              </p:ext>
+            </p:extLst>
+          </p:nvPr>
+        </p:nvGraphicFramePr>
+        <p:xfrm>
+          <a:off x="871538" y="2674938"/>
+          <a:ext cx="7408862" cy="2494280"/>
+        </p:xfrm>
+        <a:graphic>
+          <a:graphicData uri="http://schemas.openxmlformats.org/drawingml/2006/table">
+            <a:tbl>
+              <a:tblPr firstRow="1" bandRow="1">
+                <a:tableStyleId>{5C22544A-7EE6-4342-B048-85BDC9FD1C3A}</a:tableStyleId>
+              </a:tblPr>
+              <a:tblGrid>
+                <a:gridCol w="2116286"/>
+                <a:gridCol w="5292576"/>
+              </a:tblGrid>
+              <a:tr h="370840">
+                <a:tc>
+                  <a:txBody>
+                    <a:bodyPr/>
+                    <a:lstStyle/>
+                    <a:p>
+                      <a:pPr marL="0" algn="ctr" defTabSz="914400" rtl="0" eaLnBrk="1" latinLnBrk="0" hangingPunct="1"/>
+                      <a:r>
+                        <a:rPr lang="zh-CN" altLang="en-US" sz="1800" b="1" kern="1200" dirty="0" smtClean="0">
+                          <a:solidFill>
+                            <a:schemeClr val="lt1"/>
+                          </a:solidFill>
+                          <a:latin typeface="+mn-lt"/>
+                          <a:ea typeface="+mn-ea"/>
+                          <a:cs typeface="+mn-cs"/>
+                        </a:rPr>
+                        <a:t>第三方库</a:t>
+                      </a:r>
+                      <a:endParaRPr lang="zh-CN" altLang="en-US" sz="1800" b="1" kern="1200" dirty="0">
+                        <a:solidFill>
+                          <a:schemeClr val="lt1"/>
+                        </a:solidFill>
+                        <a:latin typeface="+mn-lt"/>
+                        <a:ea typeface="+mn-ea"/>
+                        <a:cs typeface="+mn-cs"/>
+                      </a:endParaRPr>
+                    </a:p>
+                  </a:txBody>
+                  <a:tcPr/>
+                </a:tc>
+                <a:tc>
+                  <a:txBody>
+                    <a:bodyPr/>
+                    <a:lstStyle/>
+                    <a:p>
+                      <a:pPr marL="0" algn="ctr" defTabSz="914400" rtl="0" eaLnBrk="1" latinLnBrk="0" hangingPunct="1"/>
+                      <a:r>
+                        <a:rPr lang="zh-CN" altLang="en-US" sz="1800" b="1" kern="1200" dirty="0" smtClean="0">
+                          <a:solidFill>
+                            <a:schemeClr val="lt1"/>
+                          </a:solidFill>
+                          <a:latin typeface="+mn-lt"/>
+                          <a:ea typeface="+mn-ea"/>
+                          <a:cs typeface="+mn-cs"/>
+                        </a:rPr>
+                        <a:t>功能</a:t>
+                      </a:r>
+                      <a:endParaRPr lang="zh-CN" altLang="en-US" sz="1800" b="1" kern="1200" dirty="0">
+                        <a:solidFill>
+                          <a:schemeClr val="lt1"/>
+                        </a:solidFill>
+                        <a:latin typeface="+mn-lt"/>
+                        <a:ea typeface="+mn-ea"/>
+                        <a:cs typeface="+mn-cs"/>
+                      </a:endParaRPr>
+                    </a:p>
+                  </a:txBody>
+                  <a:tcPr/>
+                </a:tc>
+              </a:tr>
+              <a:tr h="370840">
+                <a:tc>
+                  <a:txBody>
+                    <a:bodyPr/>
+                    <a:lstStyle/>
+                    <a:p>
+                      <a:r>
+                        <a:rPr lang="en-US" altLang="zh-CN" dirty="0" err="1" smtClean="0"/>
+                        <a:t>OpenCV</a:t>
+                      </a:r>
+                      <a:endParaRPr lang="zh-CN" altLang="en-US" dirty="0"/>
+                    </a:p>
+                  </a:txBody>
+                  <a:tcPr/>
+                </a:tc>
+                <a:tc>
+                  <a:txBody>
+                    <a:bodyPr/>
+                    <a:lstStyle/>
+                    <a:p>
+                      <a:r>
+                        <a:rPr lang="zh-CN" altLang="en-US" dirty="0" smtClean="0"/>
+                        <a:t>用来处理视频和图像的多媒体库；</a:t>
+                      </a:r>
+                      <a:endParaRPr lang="zh-CN" altLang="en-US" dirty="0"/>
+                    </a:p>
+                  </a:txBody>
+                  <a:tcPr/>
+                </a:tc>
+              </a:tr>
+              <a:tr h="370840">
+                <a:tc>
+                  <a:txBody>
+                    <a:bodyPr/>
+                    <a:lstStyle/>
+                    <a:p>
+                      <a:r>
+                        <a:rPr lang="en-US" altLang="zh-CN" dirty="0" err="1" smtClean="0"/>
+                        <a:t>StatsModels</a:t>
+                      </a:r>
+                      <a:endParaRPr lang="zh-CN" altLang="en-US" dirty="0"/>
+                    </a:p>
+                  </a:txBody>
+                  <a:tcPr/>
+                </a:tc>
+                <a:tc>
+                  <a:txBody>
+                    <a:bodyPr/>
+                    <a:lstStyle/>
+                    <a:p>
+                      <a:r>
+                        <a:rPr lang="zh-CN" altLang="en-US" dirty="0" smtClean="0"/>
+                        <a:t>统计建模和计量经济学，包括描述统计、统计模型估计和推断；</a:t>
+                      </a:r>
+                      <a:endParaRPr lang="zh-CN" altLang="en-US" dirty="0"/>
+                    </a:p>
+                  </a:txBody>
+                  <a:tcPr/>
+                </a:tc>
+              </a:tr>
+              <a:tr h="370840">
+                <a:tc>
+                  <a:txBody>
+                    <a:bodyPr/>
+                    <a:lstStyle/>
+                    <a:p>
+                      <a:r>
+                        <a:rPr lang="en-US" altLang="zh-CN" dirty="0" err="1" smtClean="0"/>
+                        <a:t>Scikit</a:t>
+                      </a:r>
+                      <a:r>
+                        <a:rPr lang="en-US" altLang="zh-CN" dirty="0" smtClean="0"/>
+                        <a:t>-Learn</a:t>
+                      </a:r>
+                      <a:endParaRPr lang="zh-CN" altLang="en-US" dirty="0"/>
+                    </a:p>
+                  </a:txBody>
+                  <a:tcPr/>
+                </a:tc>
+                <a:tc>
+                  <a:txBody>
+                    <a:bodyPr/>
+                    <a:lstStyle/>
+                    <a:p>
+                      <a:r>
+                        <a:rPr lang="zh-CN" altLang="en-US" dirty="0" smtClean="0"/>
+                        <a:t>支持回归、分类、聚类等强大的机器学习库；</a:t>
+                      </a:r>
+                      <a:endParaRPr lang="zh-CN" altLang="en-US" dirty="0"/>
+                    </a:p>
+                  </a:txBody>
+                  <a:tcPr/>
+                </a:tc>
+              </a:tr>
+              <a:tr h="370840">
+                <a:tc>
+                  <a:txBody>
+                    <a:bodyPr/>
+                    <a:lstStyle/>
+                    <a:p>
+                      <a:r>
+                        <a:rPr lang="en-US" altLang="zh-CN" dirty="0" err="1" smtClean="0"/>
+                        <a:t>Keras</a:t>
+                      </a:r>
+                      <a:endParaRPr lang="zh-CN" altLang="en-US" dirty="0"/>
+                    </a:p>
+                  </a:txBody>
+                  <a:tcPr/>
+                </a:tc>
+                <a:tc>
+                  <a:txBody>
+                    <a:bodyPr/>
+                    <a:lstStyle/>
+                    <a:p>
+                      <a:r>
+                        <a:rPr lang="zh-CN" altLang="en-US" dirty="0" smtClean="0"/>
+                        <a:t>深度学习库，用于建立神经网络以及深度学习模型；</a:t>
+                      </a:r>
+                      <a:endParaRPr lang="zh-CN" altLang="en-US" dirty="0"/>
+                    </a:p>
+                  </a:txBody>
+                  <a:tcPr/>
+                </a:tc>
+              </a:tr>
+              <a:tr h="370840">
+                <a:tc>
+                  <a:txBody>
+                    <a:bodyPr/>
+                    <a:lstStyle/>
+                    <a:p>
+                      <a:r>
+                        <a:rPr lang="en-US" altLang="zh-CN" dirty="0" err="1" smtClean="0"/>
+                        <a:t>Gensim</a:t>
+                      </a:r>
+                      <a:endParaRPr lang="zh-CN" altLang="en-US" dirty="0"/>
+                    </a:p>
+                  </a:txBody>
+                  <a:tcPr/>
+                </a:tc>
+                <a:tc>
+                  <a:txBody>
+                    <a:bodyPr/>
+                    <a:lstStyle/>
+                    <a:p>
+                      <a:r>
+                        <a:rPr lang="zh-CN" altLang="en-US" dirty="0" smtClean="0"/>
+                        <a:t>用来做文本主题模型的库，文本挖掘可能用到；</a:t>
+                      </a:r>
+                      <a:endParaRPr lang="zh-CN" altLang="en-US" dirty="0"/>
+                    </a:p>
+                  </a:txBody>
+                  <a:tcPr/>
+                </a:tc>
+              </a:tr>
+            </a:tbl>
+          </a:graphicData>
+        </a:graphic>
+      </p:graphicFrame>
+      <p:sp>
+        <p:nvSpPr>
+          <p:cNvPr id="3" name="标题 2"/>
+          <p:cNvSpPr>
+            <a:spLocks noGrp="1"/>
+          </p:cNvSpPr>
+          <p:nvPr>
+            <p:ph type="title"/>
+          </p:nvPr>
+        </p:nvSpPr>
+        <p:spPr/>
+        <p:txBody>
+          <a:bodyPr/>
+          <a:lstStyle/>
+          <a:p>
+            <a:r>
+              <a:rPr lang="en-US" altLang="zh-CN" dirty="0"/>
+              <a:t>Python</a:t>
+            </a:r>
+            <a:r>
+              <a:rPr lang="zh-CN" altLang="en-US" dirty="0"/>
+              <a:t>数据分析工具</a:t>
+            </a:r>
+          </a:p>
+        </p:txBody>
+      </p:sp>
+    </p:spTree>
+    <p:extLst>
+      <p:ext uri="{BB962C8B-B14F-4D97-AF65-F5344CB8AC3E}">
+        <p14:creationId xmlns:p14="http://schemas.microsoft.com/office/powerpoint/2010/main" val="2178097003"/>
+      </p:ext>
+    </p:extLst>
+  </p:cSld>
+  <p:clrMapOvr>
+    <a:masterClrMapping/>
+  </p:clrMapOvr>
+  <p:timing>
+    <p:tnLst>
+      <p:par>
+        <p:cTn id="1" dur="indefinite" restart="never" nodeType="tmRoot"/>
+      </p:par>
+    </p:tnLst>
+  </p:timing>
+</p:sld>
+</file>
+
 <file path=ppt/slides/slide2.xml><?xml version="1.0" encoding="utf-8"?>
 <p:sld xmlns:a="http://schemas.openxmlformats.org/drawingml/2006/main" xmlns:r="http://schemas.openxmlformats.org/officeDocument/2006/relationships" xmlns:p="http://schemas.openxmlformats.org/presentationml/2006/main">
   <p:cSld>
@@ -15663,6 +17126,703 @@
       </p:par>
     </p:tnLst>
   </p:timing>
+</p:sld>
+</file>
+
+<file path=ppt/slides/slide20.xml><?xml version="1.0" encoding="utf-8"?>
+<p:sld xmlns:a="http://schemas.openxmlformats.org/drawingml/2006/main" xmlns:r="http://schemas.openxmlformats.org/officeDocument/2006/relationships" xmlns:p="http://schemas.openxmlformats.org/presentationml/2006/main">
+  <p:cSld>
+    <p:spTree>
+      <p:nvGrpSpPr>
+        <p:cNvPr id="1" name=""/>
+        <p:cNvGrpSpPr/>
+        <p:nvPr/>
+      </p:nvGrpSpPr>
+      <p:grpSpPr>
+        <a:xfrm>
+          <a:off x="0" y="0"/>
+          <a:ext cx="0" cy="0"/>
+          <a:chOff x="0" y="0"/>
+          <a:chExt cx="0" cy="0"/>
+        </a:xfrm>
+      </p:grpSpPr>
+      <p:sp>
+        <p:nvSpPr>
+          <p:cNvPr id="2" name="内容占位符 1"/>
+          <p:cNvSpPr>
+            <a:spLocks noGrp="1"/>
+          </p:cNvSpPr>
+          <p:nvPr>
+            <p:ph idx="1"/>
+          </p:nvPr>
+        </p:nvSpPr>
+        <p:spPr/>
+        <p:txBody>
+          <a:bodyPr/>
+          <a:lstStyle/>
+          <a:p>
+            <a:r>
+              <a:rPr lang="en-US" altLang="zh-CN" dirty="0" err="1" smtClean="0"/>
+              <a:t>Numpy</a:t>
+            </a:r>
+            <a:r>
+              <a:rPr lang="zh-CN" altLang="en-US" dirty="0" smtClean="0"/>
+              <a:t>：</a:t>
+            </a:r>
+            <a:endParaRPr lang="en-US" altLang="zh-CN" dirty="0" smtClean="0"/>
+          </a:p>
+          <a:p>
+            <a:pPr marL="0" indent="0">
+              <a:buNone/>
+            </a:pPr>
+            <a:r>
+              <a:rPr lang="en-US" altLang="zh-CN" dirty="0" smtClean="0"/>
+              <a:t>    Python</a:t>
+            </a:r>
+            <a:r>
+              <a:rPr lang="zh-CN" altLang="en-US" dirty="0"/>
+              <a:t>并没有提供数组功能。虽然列表可以完成基本的数组功能，但不是真正的数组，而且在数据量较大时，使用列表的速度就会非常慢。为此</a:t>
+            </a:r>
+            <a:r>
+              <a:rPr lang="en-US" altLang="zh-CN" dirty="0" err="1"/>
+              <a:t>Numpy</a:t>
+            </a:r>
+            <a:r>
+              <a:rPr lang="zh-CN" altLang="en-US" dirty="0"/>
+              <a:t>提供了真正的数组功能，以及对数据进行快速处理的函数</a:t>
+            </a:r>
+            <a:r>
+              <a:rPr lang="zh-CN" altLang="en-US" dirty="0" smtClean="0"/>
+              <a:t>。</a:t>
+            </a:r>
+            <a:endParaRPr lang="en-US" altLang="zh-CN" dirty="0" smtClean="0"/>
+          </a:p>
+          <a:p>
+            <a:r>
+              <a:rPr lang="en-US" altLang="zh-CN" dirty="0"/>
+              <a:t>Windows</a:t>
+            </a:r>
+            <a:r>
+              <a:rPr lang="zh-CN" altLang="en-US" dirty="0"/>
+              <a:t>平台的</a:t>
+            </a:r>
+            <a:r>
+              <a:rPr lang="en-US" altLang="zh-CN" dirty="0"/>
+              <a:t>pip</a:t>
+            </a:r>
+            <a:r>
+              <a:rPr lang="zh-CN" altLang="en-US" dirty="0"/>
+              <a:t>安装</a:t>
+            </a:r>
+            <a:r>
+              <a:rPr lang="zh-CN" altLang="en-US" dirty="0" smtClean="0"/>
+              <a:t>：</a:t>
+            </a:r>
+            <a:endParaRPr lang="en-US" altLang="zh-CN" dirty="0" smtClean="0"/>
+          </a:p>
+          <a:p>
+            <a:pPr marL="0" indent="0">
+              <a:buNone/>
+            </a:pPr>
+            <a:r>
+              <a:rPr lang="en-US" altLang="zh-CN" dirty="0" smtClean="0"/>
+              <a:t>    pip </a:t>
+            </a:r>
+            <a:r>
+              <a:rPr lang="en-US" altLang="zh-CN" dirty="0"/>
+              <a:t>install </a:t>
+            </a:r>
+            <a:r>
+              <a:rPr lang="en-US" altLang="zh-CN" dirty="0" err="1"/>
+              <a:t>numpy</a:t>
+            </a:r>
+            <a:endParaRPr lang="zh-CN" altLang="en-US" dirty="0"/>
+          </a:p>
+        </p:txBody>
+      </p:sp>
+      <p:sp>
+        <p:nvSpPr>
+          <p:cNvPr id="3" name="标题 2"/>
+          <p:cNvSpPr>
+            <a:spLocks noGrp="1"/>
+          </p:cNvSpPr>
+          <p:nvPr>
+            <p:ph type="title"/>
+          </p:nvPr>
+        </p:nvSpPr>
+        <p:spPr/>
+        <p:txBody>
+          <a:bodyPr/>
+          <a:lstStyle/>
+          <a:p>
+            <a:r>
+              <a:rPr lang="en-US" altLang="zh-CN" dirty="0"/>
+              <a:t>Python</a:t>
+            </a:r>
+            <a:r>
+              <a:rPr lang="zh-CN" altLang="en-US" dirty="0"/>
+              <a:t>数据分析工具</a:t>
+            </a:r>
+          </a:p>
+        </p:txBody>
+      </p:sp>
+    </p:spTree>
+    <p:extLst>
+      <p:ext uri="{BB962C8B-B14F-4D97-AF65-F5344CB8AC3E}">
+        <p14:creationId xmlns:p14="http://schemas.microsoft.com/office/powerpoint/2010/main" val="3573366362"/>
+      </p:ext>
+    </p:extLst>
+  </p:cSld>
+  <p:clrMapOvr>
+    <a:masterClrMapping/>
+  </p:clrMapOvr>
+</p:sld>
+</file>
+
+<file path=ppt/slides/slide21.xml><?xml version="1.0" encoding="utf-8"?>
+<p:sld xmlns:a="http://schemas.openxmlformats.org/drawingml/2006/main" xmlns:r="http://schemas.openxmlformats.org/officeDocument/2006/relationships" xmlns:p="http://schemas.openxmlformats.org/presentationml/2006/main">
+  <p:cSld>
+    <p:spTree>
+      <p:nvGrpSpPr>
+        <p:cNvPr id="1" name=""/>
+        <p:cNvGrpSpPr/>
+        <p:nvPr/>
+      </p:nvGrpSpPr>
+      <p:grpSpPr>
+        <a:xfrm>
+          <a:off x="0" y="0"/>
+          <a:ext cx="0" cy="0"/>
+          <a:chOff x="0" y="0"/>
+          <a:chExt cx="0" cy="0"/>
+        </a:xfrm>
+      </p:grpSpPr>
+      <p:sp>
+        <p:nvSpPr>
+          <p:cNvPr id="2" name="内容占位符 1"/>
+          <p:cNvSpPr>
+            <a:spLocks noGrp="1"/>
+          </p:cNvSpPr>
+          <p:nvPr>
+            <p:ph idx="1"/>
+          </p:nvPr>
+        </p:nvSpPr>
+        <p:spPr/>
+        <p:txBody>
+          <a:bodyPr/>
+          <a:lstStyle/>
+          <a:p>
+            <a:r>
+              <a:rPr lang="en-US" altLang="zh-CN" dirty="0" err="1"/>
+              <a:t>Numpy</a:t>
+            </a:r>
+            <a:r>
+              <a:rPr lang="zh-CN" altLang="en-US" dirty="0"/>
+              <a:t>源代码的安装</a:t>
+            </a:r>
+            <a:r>
+              <a:rPr lang="zh-CN" altLang="en-US" dirty="0" smtClean="0"/>
+              <a:t>：</a:t>
+            </a:r>
+            <a:endParaRPr lang="zh-CN" altLang="en-US" dirty="0"/>
+          </a:p>
+          <a:p>
+            <a:pPr marL="0" indent="0">
+              <a:buNone/>
+            </a:pPr>
+            <a:r>
+              <a:rPr lang="en-US" altLang="zh-CN" dirty="0" smtClean="0"/>
+              <a:t>    python </a:t>
+            </a:r>
+            <a:r>
+              <a:rPr lang="en-US" altLang="zh-CN" dirty="0"/>
+              <a:t>setup.py </a:t>
+            </a:r>
+            <a:r>
+              <a:rPr lang="en-US" altLang="zh-CN" dirty="0" smtClean="0"/>
+              <a:t>install</a:t>
+            </a:r>
+          </a:p>
+          <a:p>
+            <a:pPr marL="0" indent="0">
+              <a:buNone/>
+            </a:pPr>
+            <a:r>
+              <a:rPr lang="en-US" altLang="zh-CN" dirty="0" smtClean="0"/>
+              <a:t>    Linux</a:t>
+            </a:r>
+            <a:r>
+              <a:rPr lang="zh-CN" altLang="en-US" dirty="0"/>
+              <a:t>平台的安装：</a:t>
+            </a:r>
+          </a:p>
+          <a:p>
+            <a:pPr marL="0" indent="0">
+              <a:buNone/>
+            </a:pPr>
+            <a:r>
+              <a:rPr lang="zh-CN" altLang="en-US" dirty="0" smtClean="0"/>
+              <a:t>    </a:t>
+            </a:r>
+            <a:r>
+              <a:rPr lang="en-US" altLang="zh-CN" dirty="0" err="1" smtClean="0"/>
+              <a:t>sudo</a:t>
+            </a:r>
+            <a:r>
+              <a:rPr lang="en-US" altLang="zh-CN" dirty="0" smtClean="0"/>
+              <a:t> </a:t>
+            </a:r>
+            <a:r>
+              <a:rPr lang="en-US" altLang="zh-CN" dirty="0"/>
+              <a:t>apt-get install python-</a:t>
+            </a:r>
+            <a:r>
+              <a:rPr lang="en-US" altLang="zh-CN" dirty="0" err="1"/>
+              <a:t>numpy</a:t>
+            </a:r>
+            <a:endParaRPr lang="en-US" altLang="zh-CN" dirty="0"/>
+          </a:p>
+          <a:p>
+            <a:pPr marL="0" indent="0">
+              <a:buNone/>
+            </a:pPr>
+            <a:endParaRPr lang="en-US" altLang="zh-CN" dirty="0"/>
+          </a:p>
+        </p:txBody>
+      </p:sp>
+      <p:sp>
+        <p:nvSpPr>
+          <p:cNvPr id="3" name="标题 2"/>
+          <p:cNvSpPr>
+            <a:spLocks noGrp="1"/>
+          </p:cNvSpPr>
+          <p:nvPr>
+            <p:ph type="title"/>
+          </p:nvPr>
+        </p:nvSpPr>
+        <p:spPr/>
+        <p:txBody>
+          <a:bodyPr/>
+          <a:lstStyle/>
+          <a:p>
+            <a:r>
+              <a:rPr lang="en-US" altLang="zh-CN" dirty="0"/>
+              <a:t>Python</a:t>
+            </a:r>
+            <a:r>
+              <a:rPr lang="zh-CN" altLang="en-US" dirty="0"/>
+              <a:t>数据分析工具</a:t>
+            </a:r>
+          </a:p>
+        </p:txBody>
+      </p:sp>
+    </p:spTree>
+    <p:extLst>
+      <p:ext uri="{BB962C8B-B14F-4D97-AF65-F5344CB8AC3E}">
+        <p14:creationId xmlns:p14="http://schemas.microsoft.com/office/powerpoint/2010/main" val="1517053956"/>
+      </p:ext>
+    </p:extLst>
+  </p:cSld>
+  <p:clrMapOvr>
+    <a:masterClrMapping/>
+  </p:clrMapOvr>
+</p:sld>
+</file>
+
+<file path=ppt/slides/slide22.xml><?xml version="1.0" encoding="utf-8"?>
+<p:sld xmlns:a="http://schemas.openxmlformats.org/drawingml/2006/main" xmlns:r="http://schemas.openxmlformats.org/officeDocument/2006/relationships" xmlns:p="http://schemas.openxmlformats.org/presentationml/2006/main">
+  <p:cSld>
+    <p:spTree>
+      <p:nvGrpSpPr>
+        <p:cNvPr id="1" name=""/>
+        <p:cNvGrpSpPr/>
+        <p:nvPr/>
+      </p:nvGrpSpPr>
+      <p:grpSpPr>
+        <a:xfrm>
+          <a:off x="0" y="0"/>
+          <a:ext cx="0" cy="0"/>
+          <a:chOff x="0" y="0"/>
+          <a:chExt cx="0" cy="0"/>
+        </a:xfrm>
+      </p:grpSpPr>
+      <p:sp>
+        <p:nvSpPr>
+          <p:cNvPr id="2" name="内容占位符 1"/>
+          <p:cNvSpPr>
+            <a:spLocks noGrp="1"/>
+          </p:cNvSpPr>
+          <p:nvPr>
+            <p:ph idx="1"/>
+          </p:nvPr>
+        </p:nvSpPr>
+        <p:spPr/>
+        <p:txBody>
+          <a:bodyPr>
+            <a:normAutofit lnSpcReduction="10000"/>
+          </a:bodyPr>
+          <a:lstStyle/>
+          <a:p>
+            <a:r>
+              <a:rPr lang="en-US" altLang="zh-CN" dirty="0" err="1" smtClean="0"/>
+              <a:t>Scipy</a:t>
+            </a:r>
+            <a:r>
+              <a:rPr lang="zh-CN" altLang="en-US" dirty="0" smtClean="0"/>
+              <a:t>：</a:t>
+            </a:r>
+            <a:endParaRPr lang="en-US" altLang="zh-CN" dirty="0"/>
+          </a:p>
+          <a:p>
+            <a:pPr marL="0" indent="0">
+              <a:buNone/>
+            </a:pPr>
+            <a:r>
+              <a:rPr lang="en-US" altLang="zh-CN" dirty="0" smtClean="0"/>
+              <a:t>   </a:t>
+            </a:r>
+            <a:r>
+              <a:rPr lang="zh-CN" altLang="en-US" dirty="0" smtClean="0"/>
+              <a:t>虽然</a:t>
+            </a:r>
+            <a:r>
+              <a:rPr lang="en-US" altLang="zh-CN" dirty="0" err="1"/>
+              <a:t>Numpy</a:t>
+            </a:r>
+            <a:r>
+              <a:rPr lang="zh-CN" altLang="en-US" dirty="0"/>
+              <a:t>提供了多维数组的功能，但只是一般的数组，并不是矩阵。</a:t>
+            </a:r>
+            <a:r>
+              <a:rPr lang="en-US" altLang="zh-CN" dirty="0" err="1"/>
+              <a:t>Scipy</a:t>
+            </a:r>
+            <a:r>
+              <a:rPr lang="zh-CN" altLang="en-US" dirty="0"/>
+              <a:t>提供了真正的矩阵，以及大量基于矩阵运算的对象与函数</a:t>
+            </a:r>
+            <a:r>
+              <a:rPr lang="zh-CN" altLang="en-US" dirty="0" smtClean="0"/>
+              <a:t>。</a:t>
+            </a:r>
+            <a:endParaRPr lang="en-US" altLang="zh-CN" dirty="0" smtClean="0"/>
+          </a:p>
+          <a:p>
+            <a:pPr marL="0" indent="0">
+              <a:buNone/>
+            </a:pPr>
+            <a:r>
+              <a:rPr lang="en-US" altLang="zh-CN" dirty="0"/>
+              <a:t>    </a:t>
+            </a:r>
+            <a:r>
+              <a:rPr lang="en-US" altLang="zh-CN" dirty="0" err="1"/>
+              <a:t>Scipy</a:t>
+            </a:r>
+            <a:r>
+              <a:rPr lang="zh-CN" altLang="en-US" dirty="0"/>
+              <a:t>包含的功能有最优化、线性代数、积分、插值、拟合、特殊函数、快速傅里叶变化、信号处理和图像处理、常微分方程求解等等，功能非常强大</a:t>
+            </a:r>
+            <a:r>
+              <a:rPr lang="zh-CN" altLang="en-US" dirty="0" smtClean="0"/>
+              <a:t>。</a:t>
+            </a:r>
+            <a:endParaRPr lang="en-US" altLang="zh-CN" dirty="0" smtClean="0"/>
+          </a:p>
+          <a:p>
+            <a:pPr marL="0" indent="0">
+              <a:buNone/>
+            </a:pPr>
+            <a:r>
+              <a:rPr lang="en-US" altLang="zh-CN" dirty="0"/>
+              <a:t>    </a:t>
+            </a:r>
+            <a:r>
+              <a:rPr lang="en-US" altLang="zh-CN" dirty="0" err="1"/>
+              <a:t>Scipy</a:t>
+            </a:r>
+            <a:r>
+              <a:rPr lang="zh-CN" altLang="en-US" dirty="0"/>
+              <a:t>依赖于</a:t>
+            </a:r>
+            <a:r>
+              <a:rPr lang="en-US" altLang="zh-CN" dirty="0" err="1"/>
+              <a:t>Numpy</a:t>
+            </a:r>
+            <a:r>
+              <a:rPr lang="zh-CN" altLang="en-US" dirty="0"/>
+              <a:t>，所以必须先按照</a:t>
+            </a:r>
+            <a:r>
+              <a:rPr lang="en-US" altLang="zh-CN" dirty="0" err="1"/>
+              <a:t>Numpy</a:t>
+            </a:r>
+            <a:r>
+              <a:rPr lang="zh-CN" altLang="en-US" dirty="0"/>
+              <a:t>，安装方式和</a:t>
+            </a:r>
+            <a:r>
+              <a:rPr lang="en-US" altLang="zh-CN" dirty="0" err="1"/>
+              <a:t>Numpy</a:t>
+            </a:r>
+            <a:r>
+              <a:rPr lang="zh-CN" altLang="en-US" dirty="0"/>
+              <a:t>安装类似。</a:t>
+            </a:r>
+            <a:endParaRPr lang="en-US" altLang="zh-CN" dirty="0" smtClean="0"/>
+          </a:p>
+          <a:p>
+            <a:endParaRPr lang="zh-CN" altLang="en-US" dirty="0"/>
+          </a:p>
+        </p:txBody>
+      </p:sp>
+      <p:sp>
+        <p:nvSpPr>
+          <p:cNvPr id="3" name="标题 2"/>
+          <p:cNvSpPr>
+            <a:spLocks noGrp="1"/>
+          </p:cNvSpPr>
+          <p:nvPr>
+            <p:ph type="title"/>
+          </p:nvPr>
+        </p:nvSpPr>
+        <p:spPr/>
+        <p:txBody>
+          <a:bodyPr/>
+          <a:lstStyle/>
+          <a:p>
+            <a:r>
+              <a:rPr lang="en-US" altLang="zh-CN" dirty="0"/>
+              <a:t>Python</a:t>
+            </a:r>
+            <a:r>
+              <a:rPr lang="zh-CN" altLang="en-US" dirty="0"/>
+              <a:t>数据分析工具</a:t>
+            </a:r>
+          </a:p>
+        </p:txBody>
+      </p:sp>
+    </p:spTree>
+    <p:extLst>
+      <p:ext uri="{BB962C8B-B14F-4D97-AF65-F5344CB8AC3E}">
+        <p14:creationId xmlns:p14="http://schemas.microsoft.com/office/powerpoint/2010/main" val="2377457077"/>
+      </p:ext>
+    </p:extLst>
+  </p:cSld>
+  <p:clrMapOvr>
+    <a:masterClrMapping/>
+  </p:clrMapOvr>
+</p:sld>
+</file>
+
+<file path=ppt/slides/slide23.xml><?xml version="1.0" encoding="utf-8"?>
+<p:sld xmlns:a="http://schemas.openxmlformats.org/drawingml/2006/main" xmlns:r="http://schemas.openxmlformats.org/officeDocument/2006/relationships" xmlns:p="http://schemas.openxmlformats.org/presentationml/2006/main">
+  <p:cSld>
+    <p:spTree>
+      <p:nvGrpSpPr>
+        <p:cNvPr id="1" name=""/>
+        <p:cNvGrpSpPr/>
+        <p:nvPr/>
+      </p:nvGrpSpPr>
+      <p:grpSpPr>
+        <a:xfrm>
+          <a:off x="0" y="0"/>
+          <a:ext cx="0" cy="0"/>
+          <a:chOff x="0" y="0"/>
+          <a:chExt cx="0" cy="0"/>
+        </a:xfrm>
+      </p:grpSpPr>
+      <p:sp>
+        <p:nvSpPr>
+          <p:cNvPr id="2" name="内容占位符 1"/>
+          <p:cNvSpPr>
+            <a:spLocks noGrp="1"/>
+          </p:cNvSpPr>
+          <p:nvPr>
+            <p:ph idx="1"/>
+          </p:nvPr>
+        </p:nvSpPr>
+        <p:spPr/>
+        <p:txBody>
+          <a:bodyPr/>
+          <a:lstStyle/>
+          <a:p>
+            <a:r>
+              <a:rPr lang="en-US" altLang="zh-CN" dirty="0" err="1" smtClean="0"/>
+              <a:t>Matplotlib</a:t>
+            </a:r>
+            <a:r>
+              <a:rPr lang="zh-CN" altLang="en-US" dirty="0" smtClean="0"/>
+              <a:t>：</a:t>
+            </a:r>
+            <a:endParaRPr lang="en-US" altLang="zh-CN" dirty="0" smtClean="0"/>
+          </a:p>
+          <a:p>
+            <a:pPr marL="0" indent="0">
+              <a:buNone/>
+            </a:pPr>
+            <a:r>
+              <a:rPr lang="en-US" altLang="zh-CN" dirty="0" smtClean="0"/>
+              <a:t>    </a:t>
+            </a:r>
+            <a:r>
+              <a:rPr lang="en-US" altLang="zh-CN" dirty="0" err="1" smtClean="0"/>
+              <a:t>Matplotlib</a:t>
+            </a:r>
+            <a:r>
+              <a:rPr lang="zh-CN" altLang="en-US" dirty="0"/>
+              <a:t>是最著名的绘图库，可以用于二维绘图，也可以进行简单的三维绘图。</a:t>
+            </a:r>
+          </a:p>
+        </p:txBody>
+      </p:sp>
+      <p:sp>
+        <p:nvSpPr>
+          <p:cNvPr id="3" name="标题 2"/>
+          <p:cNvSpPr>
+            <a:spLocks noGrp="1"/>
+          </p:cNvSpPr>
+          <p:nvPr>
+            <p:ph type="title"/>
+          </p:nvPr>
+        </p:nvSpPr>
+        <p:spPr/>
+        <p:txBody>
+          <a:bodyPr/>
+          <a:lstStyle/>
+          <a:p>
+            <a:r>
+              <a:rPr lang="en-US" altLang="zh-CN" dirty="0"/>
+              <a:t>Python</a:t>
+            </a:r>
+            <a:r>
+              <a:rPr lang="zh-CN" altLang="en-US" dirty="0"/>
+              <a:t>数据分析工具</a:t>
+            </a:r>
+          </a:p>
+        </p:txBody>
+      </p:sp>
+    </p:spTree>
+    <p:extLst>
+      <p:ext uri="{BB962C8B-B14F-4D97-AF65-F5344CB8AC3E}">
+        <p14:creationId xmlns:p14="http://schemas.microsoft.com/office/powerpoint/2010/main" val="4125215652"/>
+      </p:ext>
+    </p:extLst>
+  </p:cSld>
+  <p:clrMapOvr>
+    <a:masterClrMapping/>
+  </p:clrMapOvr>
+</p:sld>
+</file>
+
+<file path=ppt/slides/slide24.xml><?xml version="1.0" encoding="utf-8"?>
+<p:sld xmlns:a="http://schemas.openxmlformats.org/drawingml/2006/main" xmlns:r="http://schemas.openxmlformats.org/officeDocument/2006/relationships" xmlns:p="http://schemas.openxmlformats.org/presentationml/2006/main">
+  <p:cSld>
+    <p:spTree>
+      <p:nvGrpSpPr>
+        <p:cNvPr id="1" name=""/>
+        <p:cNvGrpSpPr/>
+        <p:nvPr/>
+      </p:nvGrpSpPr>
+      <p:grpSpPr>
+        <a:xfrm>
+          <a:off x="0" y="0"/>
+          <a:ext cx="0" cy="0"/>
+          <a:chOff x="0" y="0"/>
+          <a:chExt cx="0" cy="0"/>
+        </a:xfrm>
+      </p:grpSpPr>
+      <p:sp>
+        <p:nvSpPr>
+          <p:cNvPr id="2" name="内容占位符 1"/>
+          <p:cNvSpPr>
+            <a:spLocks noGrp="1"/>
+          </p:cNvSpPr>
+          <p:nvPr>
+            <p:ph idx="1"/>
+          </p:nvPr>
+        </p:nvSpPr>
+        <p:spPr/>
+        <p:txBody>
+          <a:bodyPr/>
+          <a:lstStyle/>
+          <a:p>
+            <a:r>
+              <a:rPr lang="en-US" altLang="zh-CN" dirty="0" smtClean="0"/>
+              <a:t>Pandas</a:t>
+            </a:r>
+            <a:r>
+              <a:rPr lang="zh-CN" altLang="en-US" dirty="0" smtClean="0"/>
+              <a:t>：</a:t>
+            </a:r>
+            <a:endParaRPr lang="en-US" altLang="zh-CN" dirty="0" smtClean="0"/>
+          </a:p>
+          <a:p>
+            <a:pPr marL="0" indent="0">
+              <a:buNone/>
+            </a:pPr>
+            <a:r>
+              <a:rPr lang="en-US" altLang="zh-CN" dirty="0" smtClean="0"/>
+              <a:t>    Pandas</a:t>
+            </a:r>
+            <a:r>
+              <a:rPr lang="zh-CN" altLang="en-US" dirty="0"/>
+              <a:t>是</a:t>
+            </a:r>
+            <a:r>
+              <a:rPr lang="en-US" altLang="zh-CN" dirty="0"/>
+              <a:t>Python</a:t>
+            </a:r>
+            <a:r>
+              <a:rPr lang="zh-CN" altLang="en-US" dirty="0"/>
+              <a:t>下强大的数据分析和探索工具，包含了高级数据结构和精巧的工具，使得在</a:t>
+            </a:r>
+            <a:r>
+              <a:rPr lang="en-US" altLang="zh-CN" dirty="0"/>
+              <a:t>Python</a:t>
+            </a:r>
+            <a:r>
+              <a:rPr lang="zh-CN" altLang="en-US" dirty="0"/>
+              <a:t>中处理数据非常快速和简单。</a:t>
+            </a:r>
+          </a:p>
+        </p:txBody>
+      </p:sp>
+      <p:sp>
+        <p:nvSpPr>
+          <p:cNvPr id="3" name="标题 2"/>
+          <p:cNvSpPr>
+            <a:spLocks noGrp="1"/>
+          </p:cNvSpPr>
+          <p:nvPr>
+            <p:ph type="title"/>
+          </p:nvPr>
+        </p:nvSpPr>
+        <p:spPr/>
+        <p:txBody>
+          <a:bodyPr/>
+          <a:lstStyle/>
+          <a:p>
+            <a:r>
+              <a:rPr lang="en-US" altLang="zh-CN" dirty="0"/>
+              <a:t>Python</a:t>
+            </a:r>
+            <a:r>
+              <a:rPr lang="zh-CN" altLang="en-US" dirty="0"/>
+              <a:t>数据分析工具</a:t>
+            </a:r>
+          </a:p>
+        </p:txBody>
+      </p:sp>
+    </p:spTree>
+    <p:extLst>
+      <p:ext uri="{BB962C8B-B14F-4D97-AF65-F5344CB8AC3E}">
+        <p14:creationId xmlns:p14="http://schemas.microsoft.com/office/powerpoint/2010/main" val="1469672365"/>
+      </p:ext>
+    </p:extLst>
+  </p:cSld>
+  <p:clrMapOvr>
+    <a:masterClrMapping/>
+  </p:clrMapOvr>
 </p:sld>
 </file>
 

--- a/python3/Python培训.pptx
+++ b/python3/Python培训.pptx
@@ -133,6 +133,30 @@
 </p:presentation>
 </file>
 
+<file path=ppt/commentAuthors.xml><?xml version="1.0" encoding="utf-8"?>
+<p:cmAuthorLst xmlns:a="http://schemas.openxmlformats.org/drawingml/2006/main" xmlns:r="http://schemas.openxmlformats.org/officeDocument/2006/relationships" xmlns:p="http://schemas.openxmlformats.org/presentationml/2006/main">
+  <p:cmAuthor id="0" name="wanglei" initials="wl" lastIdx="2" clrIdx="0"/>
+</p:cmAuthorLst>
+</file>
+
+<file path=ppt/comments/comment1.xml><?xml version="1.0" encoding="utf-8"?>
+<p:cmLst xmlns:a="http://schemas.openxmlformats.org/drawingml/2006/main" xmlns:r="http://schemas.openxmlformats.org/officeDocument/2006/relationships" xmlns:p="http://schemas.openxmlformats.org/presentationml/2006/main">
+  <p:cm authorId="0" dt="2017-10-11T23:21:58.765" idx="1">
+    <p:pos x="2531" y="1938"/>
+    <p:text>容器(container),序列(列表和元组), 映射(字典)和集合(Set)</p:text>
+  </p:cm>
+</p:cmLst>
+</file>
+
+<file path=ppt/comments/comment2.xml><?xml version="1.0" encoding="utf-8"?>
+<p:cmLst xmlns:a="http://schemas.openxmlformats.org/drawingml/2006/main" xmlns:r="http://schemas.openxmlformats.org/officeDocument/2006/relationships" xmlns:p="http://schemas.openxmlformats.org/presentationml/2006/main">
+  <p:cm authorId="0" dt="2017-10-11T23:25:17.290" idx="2">
+    <p:pos x="4442" y="2675"/>
+    <p:text>通常这些符号有:$,;,~</p:text>
+  </p:cm>
+</p:cmLst>
+</file>
+
 <file path=ppt/notesMasters/notesMaster1.xml><?xml version="1.0" encoding="utf-8"?>
 <p:notesMaster xmlns:a="http://schemas.openxmlformats.org/drawingml/2006/main" xmlns:r="http://schemas.openxmlformats.org/officeDocument/2006/relationships" xmlns:p="http://schemas.openxmlformats.org/presentationml/2006/main">
   <p:cSld>
@@ -215,7 +239,7 @@
           <a:p>
             <a:fld id="{C9F81556-FB81-4BC2-A5D4-0FF01BBD0E1F}" type="datetimeFigureOut">
               <a:rPr lang="zh-CN" altLang="en-US" smtClean="0"/>
-              <a:t>2017/10/10</a:t>
+              <a:t>2017/10/11</a:t>
             </a:fld>
             <a:endParaRPr lang="zh-CN" altLang="en-US"/>
           </a:p>
@@ -548,6 +572,90 @@
           <a:p>
             <a:fld id="{2EB9716F-9296-4A8E-A35A-729C671B5126}" type="slidenum">
               <a:rPr lang="zh-CN" altLang="en-US" smtClean="0"/>
+              <a:t>2</a:t>
+            </a:fld>
+            <a:endParaRPr lang="zh-CN" altLang="en-US"/>
+          </a:p>
+        </p:txBody>
+      </p:sp>
+    </p:spTree>
+    <p:extLst>
+      <p:ext uri="{BB962C8B-B14F-4D97-AF65-F5344CB8AC3E}">
+        <p14:creationId xmlns:p14="http://schemas.microsoft.com/office/powerpoint/2010/main" val="1221772731"/>
+      </p:ext>
+    </p:extLst>
+  </p:cSld>
+  <p:clrMapOvr>
+    <a:masterClrMapping/>
+  </p:clrMapOvr>
+</p:notes>
+</file>
+
+<file path=ppt/notesSlides/notesSlide2.xml><?xml version="1.0" encoding="utf-8"?>
+<p:notes xmlns:a="http://schemas.openxmlformats.org/drawingml/2006/main" xmlns:r="http://schemas.openxmlformats.org/officeDocument/2006/relationships" xmlns:p="http://schemas.openxmlformats.org/presentationml/2006/main">
+  <p:cSld>
+    <p:spTree>
+      <p:nvGrpSpPr>
+        <p:cNvPr id="1" name=""/>
+        <p:cNvGrpSpPr/>
+        <p:nvPr/>
+      </p:nvGrpSpPr>
+      <p:grpSpPr>
+        <a:xfrm>
+          <a:off x="0" y="0"/>
+          <a:ext cx="0" cy="0"/>
+          <a:chOff x="0" y="0"/>
+          <a:chExt cx="0" cy="0"/>
+        </a:xfrm>
+      </p:grpSpPr>
+      <p:sp>
+        <p:nvSpPr>
+          <p:cNvPr id="2" name="幻灯片图像占位符 1"/>
+          <p:cNvSpPr>
+            <a:spLocks noGrp="1" noRot="1" noChangeAspect="1"/>
+          </p:cNvSpPr>
+          <p:nvPr>
+            <p:ph type="sldImg"/>
+          </p:nvPr>
+        </p:nvSpPr>
+        <p:spPr/>
+      </p:sp>
+      <p:sp>
+        <p:nvSpPr>
+          <p:cNvPr id="3" name="备注占位符 2"/>
+          <p:cNvSpPr>
+            <a:spLocks noGrp="1"/>
+          </p:cNvSpPr>
+          <p:nvPr>
+            <p:ph type="body" idx="1"/>
+          </p:nvPr>
+        </p:nvSpPr>
+        <p:spPr/>
+        <p:txBody>
+          <a:bodyPr/>
+          <a:lstStyle/>
+          <a:p>
+            <a:endParaRPr lang="zh-CN" altLang="en-US" dirty="0"/>
+          </a:p>
+        </p:txBody>
+      </p:sp>
+      <p:sp>
+        <p:nvSpPr>
+          <p:cNvPr id="4" name="灯片编号占位符 3"/>
+          <p:cNvSpPr>
+            <a:spLocks noGrp="1"/>
+          </p:cNvSpPr>
+          <p:nvPr>
+            <p:ph type="sldNum" sz="quarter" idx="10"/>
+          </p:nvPr>
+        </p:nvSpPr>
+        <p:spPr/>
+        <p:txBody>
+          <a:bodyPr/>
+          <a:lstStyle/>
+          <a:p>
+            <a:fld id="{2EB9716F-9296-4A8E-A35A-729C671B5126}" type="slidenum">
+              <a:rPr lang="zh-CN" altLang="en-US" smtClean="0"/>
               <a:t>4</a:t>
             </a:fld>
             <a:endParaRPr lang="zh-CN" altLang="en-US"/>
@@ -2379,7 +2487,7 @@
           <a:p>
             <a:fld id="{530820CF-B880-4189-942D-D702A7CBA730}" type="datetimeFigureOut">
               <a:rPr lang="zh-CN" altLang="en-US" smtClean="0"/>
-              <a:t>2017/10/10</a:t>
+              <a:t>2017/10/11</a:t>
             </a:fld>
             <a:endParaRPr lang="zh-CN" altLang="en-US"/>
           </a:p>
@@ -2560,7 +2668,7 @@
           <a:p>
             <a:fld id="{530820CF-B880-4189-942D-D702A7CBA730}" type="datetimeFigureOut">
               <a:rPr lang="zh-CN" altLang="en-US" smtClean="0"/>
-              <a:t>2017/10/10</a:t>
+              <a:t>2017/10/11</a:t>
             </a:fld>
             <a:endParaRPr lang="zh-CN" altLang="en-US"/>
           </a:p>
@@ -2711,7 +2819,7 @@
           <a:p>
             <a:fld id="{530820CF-B880-4189-942D-D702A7CBA730}" type="datetimeFigureOut">
               <a:rPr lang="zh-CN" altLang="en-US" smtClean="0"/>
-              <a:t>2017/10/10</a:t>
+              <a:t>2017/10/11</a:t>
             </a:fld>
             <a:endParaRPr lang="zh-CN" altLang="en-US"/>
           </a:p>
@@ -4537,7 +4645,7 @@
           <a:p>
             <a:fld id="{530820CF-B880-4189-942D-D702A7CBA730}" type="datetimeFigureOut">
               <a:rPr lang="zh-CN" altLang="en-US" smtClean="0"/>
-              <a:t>2017/10/10</a:t>
+              <a:t>2017/10/11</a:t>
             </a:fld>
             <a:endParaRPr lang="zh-CN" altLang="en-US"/>
           </a:p>
@@ -6407,7 +6515,7 @@
           <a:p>
             <a:fld id="{530820CF-B880-4189-942D-D702A7CBA730}" type="datetimeFigureOut">
               <a:rPr lang="zh-CN" altLang="en-US" smtClean="0"/>
-              <a:t>2017/10/10</a:t>
+              <a:t>2017/10/11</a:t>
             </a:fld>
             <a:endParaRPr lang="zh-CN" altLang="en-US"/>
           </a:p>
@@ -6520,7 +6628,7 @@
           <a:p>
             <a:fld id="{530820CF-B880-4189-942D-D702A7CBA730}" type="datetimeFigureOut">
               <a:rPr lang="zh-CN" altLang="en-US" smtClean="0"/>
-              <a:t>2017/10/10</a:t>
+              <a:t>2017/10/11</a:t>
             </a:fld>
             <a:endParaRPr lang="zh-CN" altLang="en-US"/>
           </a:p>
@@ -7061,7 +7169,7 @@
           <a:p>
             <a:fld id="{530820CF-B880-4189-942D-D702A7CBA730}" type="datetimeFigureOut">
               <a:rPr lang="zh-CN" altLang="en-US" smtClean="0"/>
-              <a:t>2017/10/10</a:t>
+              <a:t>2017/10/11</a:t>
             </a:fld>
             <a:endParaRPr lang="zh-CN" altLang="en-US"/>
           </a:p>
@@ -7174,7 +7282,7 @@
           <a:p>
             <a:fld id="{530820CF-B880-4189-942D-D702A7CBA730}" type="datetimeFigureOut">
               <a:rPr lang="zh-CN" altLang="en-US" smtClean="0"/>
-              <a:t>2017/10/10</a:t>
+              <a:t>2017/10/11</a:t>
             </a:fld>
             <a:endParaRPr lang="zh-CN" altLang="en-US"/>
           </a:p>
@@ -8885,7 +8993,7 @@
           <a:p>
             <a:fld id="{530820CF-B880-4189-942D-D702A7CBA730}" type="datetimeFigureOut">
               <a:rPr lang="zh-CN" altLang="en-US" smtClean="0"/>
-              <a:t>2017/10/10</a:t>
+              <a:t>2017/10/11</a:t>
             </a:fld>
             <a:endParaRPr lang="zh-CN" altLang="en-US"/>
           </a:p>
@@ -9036,7 +9144,7 @@
           <a:p>
             <a:fld id="{530820CF-B880-4189-942D-D702A7CBA730}" type="datetimeFigureOut">
               <a:rPr lang="zh-CN" altLang="en-US" smtClean="0"/>
-              <a:t>2017/10/10</a:t>
+              <a:t>2017/10/11</a:t>
             </a:fld>
             <a:endParaRPr lang="zh-CN" altLang="en-US"/>
           </a:p>
@@ -12651,7 +12759,7 @@
           <a:p>
             <a:fld id="{530820CF-B880-4189-942D-D702A7CBA730}" type="datetimeFigureOut">
               <a:rPr lang="zh-CN" altLang="en-US" smtClean="0"/>
-              <a:t>2017/10/10</a:t>
+              <a:t>2017/10/11</a:t>
             </a:fld>
             <a:endParaRPr lang="zh-CN" altLang="en-US"/>
           </a:p>
@@ -14510,7 +14618,7 @@
           <a:p>
             <a:fld id="{530820CF-B880-4189-942D-D702A7CBA730}" type="datetimeFigureOut">
               <a:rPr lang="zh-CN" altLang="en-US" smtClean="0"/>
-              <a:t>2017/10/10</a:t>
+              <a:t>2017/10/11</a:t>
             </a:fld>
             <a:endParaRPr lang="zh-CN" altLang="en-US"/>
           </a:p>
